--- a/LOG.pptx
+++ b/LOG.pptx
@@ -5,7 +5,7 @@
     <p:sldMasterId id="2147483648" r:id="rId1"/>
   </p:sldMasterIdLst>
   <p:notesMasterIdLst>
-    <p:notesMasterId r:id="rId21"/>
+    <p:notesMasterId r:id="rId23"/>
   </p:notesMasterIdLst>
   <p:sldIdLst>
     <p:sldId id="258" r:id="rId2"/>
@@ -22,11 +22,13 @@
     <p:sldId id="273" r:id="rId13"/>
     <p:sldId id="275" r:id="rId14"/>
     <p:sldId id="276" r:id="rId15"/>
-    <p:sldId id="266" r:id="rId16"/>
-    <p:sldId id="267" r:id="rId17"/>
-    <p:sldId id="268" r:id="rId18"/>
-    <p:sldId id="269" r:id="rId19"/>
-    <p:sldId id="270" r:id="rId20"/>
+    <p:sldId id="277" r:id="rId16"/>
+    <p:sldId id="278" r:id="rId17"/>
+    <p:sldId id="266" r:id="rId18"/>
+    <p:sldId id="267" r:id="rId19"/>
+    <p:sldId id="268" r:id="rId20"/>
+    <p:sldId id="269" r:id="rId21"/>
+    <p:sldId id="270" r:id="rId22"/>
   </p:sldIdLst>
   <p:sldSz cx="12192000" cy="6858000"/>
   <p:notesSz cx="6858000" cy="9144000"/>
@@ -215,7 +217,7 @@
           <a:p>
             <a:fld id="{2493B408-C93F-4F25-9F9A-880C8D23BE16}" type="datetimeFigureOut">
               <a:rPr lang="zh-TW" altLang="en-US" smtClean="0"/>
-              <a:t>2023/10/24</a:t>
+              <a:t>2023/11/2</a:t>
             </a:fld>
             <a:endParaRPr lang="zh-TW" altLang="en-US"/>
           </a:p>
@@ -629,7 +631,7 @@
           <a:p>
             <a:fld id="{E9B51F20-B5E2-4E05-886D-52D052F33EF2}" type="datetime1">
               <a:rPr lang="zh-TW" altLang="en-US" smtClean="0"/>
-              <a:t>2023/10/24</a:t>
+              <a:t>2023/11/2</a:t>
             </a:fld>
             <a:endParaRPr lang="zh-TW" altLang="en-US"/>
           </a:p>
@@ -827,7 +829,7 @@
           <a:p>
             <a:fld id="{D7848EB0-12E4-4253-9FF3-1A4AAC4500C7}" type="datetime1">
               <a:rPr lang="zh-TW" altLang="en-US" smtClean="0"/>
-              <a:t>2023/10/24</a:t>
+              <a:t>2023/11/2</a:t>
             </a:fld>
             <a:endParaRPr lang="zh-TW" altLang="en-US"/>
           </a:p>
@@ -1035,7 +1037,7 @@
           <a:p>
             <a:fld id="{8CE24563-3D8E-4C59-84AB-704F030905F3}" type="datetime1">
               <a:rPr lang="zh-TW" altLang="en-US" smtClean="0"/>
-              <a:t>2023/10/24</a:t>
+              <a:t>2023/11/2</a:t>
             </a:fld>
             <a:endParaRPr lang="zh-TW" altLang="en-US"/>
           </a:p>
@@ -1233,7 +1235,7 @@
           <a:p>
             <a:fld id="{996E08BA-22E7-4E87-A60A-CD8064C4A871}" type="datetime1">
               <a:rPr lang="zh-TW" altLang="en-US" smtClean="0"/>
-              <a:t>2023/10/24</a:t>
+              <a:t>2023/11/2</a:t>
             </a:fld>
             <a:endParaRPr lang="zh-TW" altLang="en-US"/>
           </a:p>
@@ -1508,7 +1510,7 @@
           <a:p>
             <a:fld id="{ED8B521E-A8CA-49FC-BB3B-AAC4D73681EB}" type="datetime1">
               <a:rPr lang="zh-TW" altLang="en-US" smtClean="0"/>
-              <a:t>2023/10/24</a:t>
+              <a:t>2023/11/2</a:t>
             </a:fld>
             <a:endParaRPr lang="zh-TW" altLang="en-US"/>
           </a:p>
@@ -1773,7 +1775,7 @@
           <a:p>
             <a:fld id="{730FF105-D270-4774-85E7-035884D17F4E}" type="datetime1">
               <a:rPr lang="zh-TW" altLang="en-US" smtClean="0"/>
-              <a:t>2023/10/24</a:t>
+              <a:t>2023/11/2</a:t>
             </a:fld>
             <a:endParaRPr lang="zh-TW" altLang="en-US"/>
           </a:p>
@@ -2185,7 +2187,7 @@
           <a:p>
             <a:fld id="{1015D69A-41B2-4AB2-A978-B36EB13343F2}" type="datetime1">
               <a:rPr lang="zh-TW" altLang="en-US" smtClean="0"/>
-              <a:t>2023/10/24</a:t>
+              <a:t>2023/11/2</a:t>
             </a:fld>
             <a:endParaRPr lang="zh-TW" altLang="en-US"/>
           </a:p>
@@ -2326,7 +2328,7 @@
           <a:p>
             <a:fld id="{C3231F7A-C29B-4AC4-8DB1-1A566CA80BA3}" type="datetime1">
               <a:rPr lang="zh-TW" altLang="en-US" smtClean="0"/>
-              <a:t>2023/10/24</a:t>
+              <a:t>2023/11/2</a:t>
             </a:fld>
             <a:endParaRPr lang="zh-TW" altLang="en-US"/>
           </a:p>
@@ -2439,7 +2441,7 @@
           <a:p>
             <a:fld id="{133D7621-BE52-406B-9B9B-B8BF7A853693}" type="datetime1">
               <a:rPr lang="zh-TW" altLang="en-US" smtClean="0"/>
-              <a:t>2023/10/24</a:t>
+              <a:t>2023/11/2</a:t>
             </a:fld>
             <a:endParaRPr lang="zh-TW" altLang="en-US"/>
           </a:p>
@@ -2750,7 +2752,7 @@
           <a:p>
             <a:fld id="{C655AA43-AF85-4D2F-9DA8-B166E1470A81}" type="datetime1">
               <a:rPr lang="zh-TW" altLang="en-US" smtClean="0"/>
-              <a:t>2023/10/24</a:t>
+              <a:t>2023/11/2</a:t>
             </a:fld>
             <a:endParaRPr lang="zh-TW" altLang="en-US"/>
           </a:p>
@@ -3038,7 +3040,7 @@
           <a:p>
             <a:fld id="{37916F6D-77B3-4B7A-B48C-AC8588D9F2A7}" type="datetime1">
               <a:rPr lang="zh-TW" altLang="en-US" smtClean="0"/>
-              <a:t>2023/10/24</a:t>
+              <a:t>2023/11/2</a:t>
             </a:fld>
             <a:endParaRPr lang="zh-TW" altLang="en-US"/>
           </a:p>
@@ -3279,7 +3281,7 @@
           <a:p>
             <a:fld id="{9B675E92-3D50-4CE5-9804-C39F8954D897}" type="datetime1">
               <a:rPr lang="zh-TW" altLang="en-US" smtClean="0"/>
-              <a:t>2023/10/24</a:t>
+              <a:t>2023/11/2</a:t>
             </a:fld>
             <a:endParaRPr lang="zh-TW" altLang="en-US"/>
           </a:p>
@@ -7760,6 +7762,1586 @@
           <p:cNvPr id="2" name="標題 1">
             <a:extLst>
               <a:ext uri="{FF2B5EF4-FFF2-40B4-BE49-F238E27FC236}">
+                <a16:creationId xmlns:a16="http://schemas.microsoft.com/office/drawing/2014/main" id="{D53E8588-A099-0E64-1BEA-F546C606908F}"/>
+              </a:ext>
+            </a:extLst>
+          </p:cNvPr>
+          <p:cNvSpPr>
+            <a:spLocks noGrp="1"/>
+          </p:cNvSpPr>
+          <p:nvPr>
+            <p:ph type="title"/>
+          </p:nvPr>
+        </p:nvSpPr>
+        <p:spPr/>
+        <p:txBody>
+          <a:bodyPr/>
+          <a:lstStyle/>
+          <a:p>
+            <a:r>
+              <a:rPr lang="en-US" altLang="zh-TW" dirty="0"/>
+              <a:t>With External data</a:t>
+            </a:r>
+            <a:r>
+              <a:rPr lang="zh-TW" altLang="en-US" dirty="0"/>
+              <a:t> </a:t>
+            </a:r>
+            <a:r>
+              <a:rPr lang="en-US" altLang="zh-TW" dirty="0"/>
+              <a:t>+</a:t>
+            </a:r>
+            <a:r>
+              <a:rPr lang="zh-TW" altLang="en-US" dirty="0"/>
+              <a:t> </a:t>
+            </a:r>
+            <a:r>
+              <a:rPr lang="en-US" altLang="zh-TW" dirty="0"/>
+              <a:t>new features (LightGBMV231)</a:t>
+            </a:r>
+            <a:endParaRPr lang="zh-TW" altLang="en-US" dirty="0"/>
+          </a:p>
+        </p:txBody>
+      </p:sp>
+      <p:sp>
+        <p:nvSpPr>
+          <p:cNvPr id="3" name="文字方塊 2">
+            <a:extLst>
+              <a:ext uri="{FF2B5EF4-FFF2-40B4-BE49-F238E27FC236}">
+                <a16:creationId xmlns:a16="http://schemas.microsoft.com/office/drawing/2014/main" id="{3C21CA41-AFB6-E6E6-DAD8-67F3B5C4E8F0}"/>
+              </a:ext>
+            </a:extLst>
+          </p:cNvPr>
+          <p:cNvSpPr txBox="1"/>
+          <p:nvPr/>
+        </p:nvSpPr>
+        <p:spPr>
+          <a:xfrm>
+            <a:off x="0" y="1606164"/>
+            <a:ext cx="6201015" cy="2031325"/>
+          </a:xfrm>
+          <a:prstGeom prst="rect">
+            <a:avLst/>
+          </a:prstGeom>
+          <a:noFill/>
+        </p:spPr>
+        <p:txBody>
+          <a:bodyPr wrap="square" rtlCol="0">
+            <a:spAutoFit/>
+          </a:bodyPr>
+          <a:lstStyle/>
+          <a:p>
+            <a:r>
+              <a:rPr lang="en-US" altLang="zh-TW" sz="900" dirty="0"/>
+              <a:t>all_data = </a:t>
+            </a:r>
+            <a:r>
+              <a:rPr lang="en-US" altLang="zh-TW" sz="900" dirty="0" err="1"/>
+              <a:t>concat_externaldata</a:t>
+            </a:r>
+            <a:r>
+              <a:rPr lang="en-US" altLang="zh-TW" sz="900" dirty="0"/>
+              <a:t>(all_data, "./dataset/</a:t>
+            </a:r>
+            <a:r>
+              <a:rPr lang="en-US" altLang="zh-TW" sz="900" dirty="0" err="1"/>
+              <a:t>external_data</a:t>
+            </a:r>
+            <a:r>
+              <a:rPr lang="en-US" altLang="zh-TW" sz="900" dirty="0"/>
+              <a:t>/ATM</a:t>
+            </a:r>
+            <a:r>
+              <a:rPr lang="zh-TW" altLang="en-US" sz="900" dirty="0"/>
+              <a:t>資料</a:t>
+            </a:r>
+            <a:r>
+              <a:rPr lang="en-US" altLang="zh-TW" sz="900" dirty="0"/>
+              <a:t>.csv", 'ATM</a:t>
+            </a:r>
+            <a:r>
+              <a:rPr lang="zh-TW" altLang="en-US" sz="900" dirty="0"/>
+              <a:t>資料</a:t>
+            </a:r>
+            <a:r>
+              <a:rPr lang="en-US" altLang="zh-TW" sz="900" dirty="0"/>
+              <a:t>', radius=300.0)</a:t>
+            </a:r>
+          </a:p>
+          <a:p>
+            <a:r>
+              <a:rPr lang="en-US" altLang="zh-TW" sz="900" dirty="0"/>
+              <a:t>all_data = </a:t>
+            </a:r>
+            <a:r>
+              <a:rPr lang="en-US" altLang="zh-TW" sz="900" dirty="0" err="1"/>
+              <a:t>concat_externaldata</a:t>
+            </a:r>
+            <a:r>
+              <a:rPr lang="en-US" altLang="zh-TW" sz="900" dirty="0"/>
+              <a:t>(all_data, "./dataset/</a:t>
+            </a:r>
+            <a:r>
+              <a:rPr lang="en-US" altLang="zh-TW" sz="900" dirty="0" err="1"/>
+              <a:t>external_data</a:t>
+            </a:r>
+            <a:r>
+              <a:rPr lang="en-US" altLang="zh-TW" sz="900" dirty="0"/>
+              <a:t>/</a:t>
+            </a:r>
+            <a:r>
+              <a:rPr lang="zh-TW" altLang="en-US" sz="900" dirty="0"/>
+              <a:t>大學基本資料</a:t>
+            </a:r>
+            <a:r>
+              <a:rPr lang="en-US" altLang="zh-TW" sz="900" dirty="0"/>
+              <a:t>.csv", '</a:t>
+            </a:r>
+            <a:r>
+              <a:rPr lang="zh-TW" altLang="en-US" sz="900" dirty="0"/>
+              <a:t>大學基本資料</a:t>
+            </a:r>
+            <a:r>
+              <a:rPr lang="en-US" altLang="zh-TW" sz="900" dirty="0"/>
+              <a:t>', radius=3000.0)</a:t>
+            </a:r>
+          </a:p>
+          <a:p>
+            <a:r>
+              <a:rPr lang="en-US" altLang="zh-TW" sz="900" dirty="0"/>
+              <a:t>all_data = </a:t>
+            </a:r>
+            <a:r>
+              <a:rPr lang="en-US" altLang="zh-TW" sz="900" dirty="0" err="1"/>
+              <a:t>concat_externaldata</a:t>
+            </a:r>
+            <a:r>
+              <a:rPr lang="en-US" altLang="zh-TW" sz="900" dirty="0"/>
+              <a:t>(all_data, "./dataset/</a:t>
+            </a:r>
+            <a:r>
+              <a:rPr lang="en-US" altLang="zh-TW" sz="900" dirty="0" err="1"/>
+              <a:t>external_data</a:t>
+            </a:r>
+            <a:r>
+              <a:rPr lang="en-US" altLang="zh-TW" sz="900" dirty="0"/>
+              <a:t>/</a:t>
+            </a:r>
+            <a:r>
+              <a:rPr lang="zh-TW" altLang="en-US" sz="900" dirty="0"/>
+              <a:t>公車站點資料</a:t>
+            </a:r>
+            <a:r>
+              <a:rPr lang="en-US" altLang="zh-TW" sz="900" dirty="0"/>
+              <a:t>.csv", '</a:t>
+            </a:r>
+            <a:r>
+              <a:rPr lang="zh-TW" altLang="en-US" sz="900" dirty="0"/>
+              <a:t>公車站點資料</a:t>
+            </a:r>
+            <a:r>
+              <a:rPr lang="en-US" altLang="zh-TW" sz="900" dirty="0"/>
+              <a:t>', radius=300.0)</a:t>
+            </a:r>
+          </a:p>
+          <a:p>
+            <a:r>
+              <a:rPr lang="en-US" altLang="zh-TW" sz="900" dirty="0"/>
+              <a:t>all_data = </a:t>
+            </a:r>
+            <a:r>
+              <a:rPr lang="en-US" altLang="zh-TW" sz="900" dirty="0" err="1"/>
+              <a:t>concat_externaldata</a:t>
+            </a:r>
+            <a:r>
+              <a:rPr lang="en-US" altLang="zh-TW" sz="900" dirty="0"/>
+              <a:t>(all_data, "./dataset/</a:t>
+            </a:r>
+            <a:r>
+              <a:rPr lang="en-US" altLang="zh-TW" sz="900" dirty="0" err="1"/>
+              <a:t>external_data</a:t>
+            </a:r>
+            <a:r>
+              <a:rPr lang="en-US" altLang="zh-TW" sz="900" dirty="0"/>
+              <a:t>/</a:t>
+            </a:r>
+            <a:r>
+              <a:rPr lang="zh-TW" altLang="en-US" sz="900" dirty="0"/>
+              <a:t>火車站點資料</a:t>
+            </a:r>
+            <a:r>
+              <a:rPr lang="en-US" altLang="zh-TW" sz="900" dirty="0"/>
+              <a:t>.csv", '</a:t>
+            </a:r>
+            <a:r>
+              <a:rPr lang="zh-TW" altLang="en-US" sz="900" dirty="0"/>
+              <a:t>火車站點資料</a:t>
+            </a:r>
+            <a:r>
+              <a:rPr lang="en-US" altLang="zh-TW" sz="900" dirty="0"/>
+              <a:t>', radius=3000.0)</a:t>
+            </a:r>
+          </a:p>
+          <a:p>
+            <a:r>
+              <a:rPr lang="en-US" altLang="zh-TW" sz="900" dirty="0"/>
+              <a:t>all_data = </a:t>
+            </a:r>
+            <a:r>
+              <a:rPr lang="en-US" altLang="zh-TW" sz="900" dirty="0" err="1"/>
+              <a:t>concat_externaldata</a:t>
+            </a:r>
+            <a:r>
+              <a:rPr lang="en-US" altLang="zh-TW" sz="900" dirty="0"/>
+              <a:t>(all_data, "./dataset/</a:t>
+            </a:r>
+            <a:r>
+              <a:rPr lang="en-US" altLang="zh-TW" sz="900" dirty="0" err="1"/>
+              <a:t>external_data</a:t>
+            </a:r>
+            <a:r>
+              <a:rPr lang="en-US" altLang="zh-TW" sz="900" dirty="0"/>
+              <a:t>/</a:t>
+            </a:r>
+            <a:r>
+              <a:rPr lang="zh-TW" altLang="en-US" sz="900" dirty="0"/>
+              <a:t>金融機構基本資料</a:t>
+            </a:r>
+            <a:r>
+              <a:rPr lang="en-US" altLang="zh-TW" sz="900" dirty="0"/>
+              <a:t>.csv", '</a:t>
+            </a:r>
+            <a:r>
+              <a:rPr lang="zh-TW" altLang="en-US" sz="900" dirty="0"/>
+              <a:t>金融機構基本資料</a:t>
+            </a:r>
+            <a:r>
+              <a:rPr lang="en-US" altLang="zh-TW" sz="900" dirty="0"/>
+              <a:t>', radius=1000.0)</a:t>
+            </a:r>
+          </a:p>
+          <a:p>
+            <a:r>
+              <a:rPr lang="en-US" altLang="zh-TW" sz="900" dirty="0"/>
+              <a:t>all_data = </a:t>
+            </a:r>
+            <a:r>
+              <a:rPr lang="en-US" altLang="zh-TW" sz="900" dirty="0" err="1"/>
+              <a:t>concat_externaldata</a:t>
+            </a:r>
+            <a:r>
+              <a:rPr lang="en-US" altLang="zh-TW" sz="900" dirty="0"/>
+              <a:t>(all_data, "./dataset/</a:t>
+            </a:r>
+            <a:r>
+              <a:rPr lang="en-US" altLang="zh-TW" sz="900" dirty="0" err="1"/>
+              <a:t>external_data</a:t>
+            </a:r>
+            <a:r>
+              <a:rPr lang="en-US" altLang="zh-TW" sz="900" dirty="0"/>
+              <a:t>/</a:t>
+            </a:r>
+            <a:r>
+              <a:rPr lang="zh-TW" altLang="en-US" sz="900" dirty="0"/>
+              <a:t>便利商店</a:t>
+            </a:r>
+            <a:r>
+              <a:rPr lang="en-US" altLang="zh-TW" sz="900" dirty="0"/>
+              <a:t>.csv", '</a:t>
+            </a:r>
+            <a:r>
+              <a:rPr lang="zh-TW" altLang="en-US" sz="900" dirty="0"/>
+              <a:t>便利商店</a:t>
+            </a:r>
+            <a:r>
+              <a:rPr lang="en-US" altLang="zh-TW" sz="900" dirty="0"/>
+              <a:t>', radius=300.0)</a:t>
+            </a:r>
+          </a:p>
+          <a:p>
+            <a:r>
+              <a:rPr lang="en-US" altLang="zh-TW" sz="900" dirty="0"/>
+              <a:t>all_data = </a:t>
+            </a:r>
+            <a:r>
+              <a:rPr lang="en-US" altLang="zh-TW" sz="900" dirty="0" err="1"/>
+              <a:t>concat_externaldata</a:t>
+            </a:r>
+            <a:r>
+              <a:rPr lang="en-US" altLang="zh-TW" sz="900" dirty="0"/>
+              <a:t>(all_data, "./dataset/</a:t>
+            </a:r>
+            <a:r>
+              <a:rPr lang="en-US" altLang="zh-TW" sz="900" dirty="0" err="1"/>
+              <a:t>external_data</a:t>
+            </a:r>
+            <a:r>
+              <a:rPr lang="en-US" altLang="zh-TW" sz="900" dirty="0"/>
+              <a:t>/</a:t>
+            </a:r>
+            <a:r>
+              <a:rPr lang="zh-TW" altLang="en-US" sz="900" dirty="0"/>
+              <a:t>高中基本資料</a:t>
+            </a:r>
+            <a:r>
+              <a:rPr lang="en-US" altLang="zh-TW" sz="900" dirty="0"/>
+              <a:t>.csv", '</a:t>
+            </a:r>
+            <a:r>
+              <a:rPr lang="zh-TW" altLang="en-US" sz="900" dirty="0"/>
+              <a:t>高中基本資料</a:t>
+            </a:r>
+            <a:r>
+              <a:rPr lang="en-US" altLang="zh-TW" sz="900" dirty="0"/>
+              <a:t>', radius=3000.0)</a:t>
+            </a:r>
+          </a:p>
+          <a:p>
+            <a:r>
+              <a:rPr lang="en-US" altLang="zh-TW" sz="900" dirty="0"/>
+              <a:t>all_data = </a:t>
+            </a:r>
+            <a:r>
+              <a:rPr lang="en-US" altLang="zh-TW" sz="900" dirty="0" err="1"/>
+              <a:t>concat_externaldata</a:t>
+            </a:r>
+            <a:r>
+              <a:rPr lang="en-US" altLang="zh-TW" sz="900" dirty="0"/>
+              <a:t>(all_data, "./dataset/</a:t>
+            </a:r>
+            <a:r>
+              <a:rPr lang="en-US" altLang="zh-TW" sz="900" dirty="0" err="1"/>
+              <a:t>external_data</a:t>
+            </a:r>
+            <a:r>
+              <a:rPr lang="en-US" altLang="zh-TW" sz="900" dirty="0"/>
+              <a:t>/</a:t>
+            </a:r>
+            <a:r>
+              <a:rPr lang="zh-TW" altLang="en-US" sz="900" dirty="0"/>
+              <a:t>國小基本資料</a:t>
+            </a:r>
+            <a:r>
+              <a:rPr lang="en-US" altLang="zh-TW" sz="900" dirty="0"/>
+              <a:t>.csv", '</a:t>
+            </a:r>
+            <a:r>
+              <a:rPr lang="zh-TW" altLang="en-US" sz="900" dirty="0"/>
+              <a:t>國小基本資料</a:t>
+            </a:r>
+            <a:r>
+              <a:rPr lang="en-US" altLang="zh-TW" sz="900" dirty="0"/>
+              <a:t>', radius=3000.0)</a:t>
+            </a:r>
+          </a:p>
+          <a:p>
+            <a:r>
+              <a:rPr lang="en-US" altLang="zh-TW" sz="900" dirty="0"/>
+              <a:t>all_data = </a:t>
+            </a:r>
+            <a:r>
+              <a:rPr lang="en-US" altLang="zh-TW" sz="900" dirty="0" err="1"/>
+              <a:t>concat_externaldata</a:t>
+            </a:r>
+            <a:r>
+              <a:rPr lang="en-US" altLang="zh-TW" sz="900" dirty="0"/>
+              <a:t>(all_data, "./dataset/</a:t>
+            </a:r>
+            <a:r>
+              <a:rPr lang="en-US" altLang="zh-TW" sz="900" dirty="0" err="1"/>
+              <a:t>external_data</a:t>
+            </a:r>
+            <a:r>
+              <a:rPr lang="en-US" altLang="zh-TW" sz="900" dirty="0"/>
+              <a:t>/</a:t>
+            </a:r>
+            <a:r>
+              <a:rPr lang="zh-TW" altLang="en-US" sz="900" dirty="0"/>
+              <a:t>國中基本資料</a:t>
+            </a:r>
+            <a:r>
+              <a:rPr lang="en-US" altLang="zh-TW" sz="900" dirty="0"/>
+              <a:t>.csv", '</a:t>
+            </a:r>
+            <a:r>
+              <a:rPr lang="zh-TW" altLang="en-US" sz="900" dirty="0"/>
+              <a:t>國中基本資料</a:t>
+            </a:r>
+            <a:r>
+              <a:rPr lang="en-US" altLang="zh-TW" sz="900" dirty="0"/>
+              <a:t>', radius=3000.0)</a:t>
+            </a:r>
+          </a:p>
+          <a:p>
+            <a:r>
+              <a:rPr lang="en-US" altLang="zh-TW" sz="900" dirty="0"/>
+              <a:t>all_data = </a:t>
+            </a:r>
+            <a:r>
+              <a:rPr lang="en-US" altLang="zh-TW" sz="900" dirty="0" err="1"/>
+              <a:t>concat_externaldata</a:t>
+            </a:r>
+            <a:r>
+              <a:rPr lang="en-US" altLang="zh-TW" sz="900" dirty="0"/>
+              <a:t>(all_data, "./dataset/</a:t>
+            </a:r>
+            <a:r>
+              <a:rPr lang="en-US" altLang="zh-TW" sz="900" dirty="0" err="1"/>
+              <a:t>external_data</a:t>
+            </a:r>
+            <a:r>
+              <a:rPr lang="en-US" altLang="zh-TW" sz="900" dirty="0"/>
+              <a:t>/</a:t>
+            </a:r>
+            <a:r>
+              <a:rPr lang="zh-TW" altLang="en-US" sz="900" dirty="0"/>
+              <a:t>捷運站點資料</a:t>
+            </a:r>
+            <a:r>
+              <a:rPr lang="en-US" altLang="zh-TW" sz="900" dirty="0"/>
+              <a:t>.csv", '</a:t>
+            </a:r>
+            <a:r>
+              <a:rPr lang="zh-TW" altLang="en-US" sz="900" dirty="0"/>
+              <a:t>捷運站點資料</a:t>
+            </a:r>
+            <a:r>
+              <a:rPr lang="en-US" altLang="zh-TW" sz="900" dirty="0"/>
+              <a:t>', radius=300.0)</a:t>
+            </a:r>
+          </a:p>
+          <a:p>
+            <a:r>
+              <a:rPr lang="en-US" altLang="zh-TW" sz="900" dirty="0"/>
+              <a:t>all_data = </a:t>
+            </a:r>
+            <a:r>
+              <a:rPr lang="en-US" altLang="zh-TW" sz="900" dirty="0" err="1"/>
+              <a:t>concat_externaldata</a:t>
+            </a:r>
+            <a:r>
+              <a:rPr lang="en-US" altLang="zh-TW" sz="900" dirty="0"/>
+              <a:t>(all_data, "./dataset/</a:t>
+            </a:r>
+            <a:r>
+              <a:rPr lang="en-US" altLang="zh-TW" sz="900" dirty="0" err="1"/>
+              <a:t>external_data</a:t>
+            </a:r>
+            <a:r>
+              <a:rPr lang="en-US" altLang="zh-TW" sz="900" dirty="0"/>
+              <a:t>/</a:t>
+            </a:r>
+            <a:r>
+              <a:rPr lang="zh-TW" altLang="en-US" sz="900" dirty="0"/>
+              <a:t>郵局據點資料</a:t>
+            </a:r>
+            <a:r>
+              <a:rPr lang="en-US" altLang="zh-TW" sz="900" dirty="0"/>
+              <a:t>.csv", '</a:t>
+            </a:r>
+            <a:r>
+              <a:rPr lang="zh-TW" altLang="en-US" sz="900" dirty="0"/>
+              <a:t>郵局據點資料</a:t>
+            </a:r>
+            <a:r>
+              <a:rPr lang="en-US" altLang="zh-TW" sz="900" dirty="0"/>
+              <a:t>', radius=1000.0)</a:t>
+            </a:r>
+          </a:p>
+          <a:p>
+            <a:r>
+              <a:rPr lang="en-US" altLang="zh-TW" sz="900" dirty="0"/>
+              <a:t>all_data = </a:t>
+            </a:r>
+            <a:r>
+              <a:rPr lang="en-US" altLang="zh-TW" sz="900" dirty="0" err="1"/>
+              <a:t>concat_externaldata</a:t>
+            </a:r>
+            <a:r>
+              <a:rPr lang="en-US" altLang="zh-TW" sz="900" dirty="0"/>
+              <a:t>(all_data, "./dataset/</a:t>
+            </a:r>
+            <a:r>
+              <a:rPr lang="en-US" altLang="zh-TW" sz="900" dirty="0" err="1"/>
+              <a:t>external_data</a:t>
+            </a:r>
+            <a:r>
+              <a:rPr lang="en-US" altLang="zh-TW" sz="900" dirty="0"/>
+              <a:t>/</a:t>
+            </a:r>
+            <a:r>
+              <a:rPr lang="zh-TW" altLang="en-US" sz="900" dirty="0"/>
+              <a:t>腳踏車站點資料</a:t>
+            </a:r>
+            <a:r>
+              <a:rPr lang="en-US" altLang="zh-TW" sz="900" dirty="0"/>
+              <a:t>.csv", '</a:t>
+            </a:r>
+            <a:r>
+              <a:rPr lang="zh-TW" altLang="en-US" sz="900" dirty="0"/>
+              <a:t>腳踏車站點資料</a:t>
+            </a:r>
+            <a:r>
+              <a:rPr lang="en-US" altLang="zh-TW" sz="900" dirty="0"/>
+              <a:t>', radius=300.0)</a:t>
+            </a:r>
+          </a:p>
+          <a:p>
+            <a:r>
+              <a:rPr lang="en-US" altLang="zh-TW" sz="900" dirty="0"/>
+              <a:t>all_data = </a:t>
+            </a:r>
+            <a:r>
+              <a:rPr lang="en-US" altLang="zh-TW" sz="900" dirty="0" err="1"/>
+              <a:t>concat_externaldata</a:t>
+            </a:r>
+            <a:r>
+              <a:rPr lang="en-US" altLang="zh-TW" sz="900" dirty="0"/>
+              <a:t>(all_data, "./dataset/</a:t>
+            </a:r>
+            <a:r>
+              <a:rPr lang="en-US" altLang="zh-TW" sz="900" dirty="0" err="1"/>
+              <a:t>external_data</a:t>
+            </a:r>
+            <a:r>
+              <a:rPr lang="en-US" altLang="zh-TW" sz="900" dirty="0"/>
+              <a:t>/</a:t>
+            </a:r>
+            <a:r>
+              <a:rPr lang="zh-TW" altLang="en-US" sz="900" dirty="0"/>
+              <a:t>醫療機構基本資料</a:t>
+            </a:r>
+            <a:r>
+              <a:rPr lang="en-US" altLang="zh-TW" sz="900" dirty="0"/>
+              <a:t>.csv", '</a:t>
+            </a:r>
+            <a:r>
+              <a:rPr lang="zh-TW" altLang="en-US" sz="900" dirty="0"/>
+              <a:t>醫療機構基本資料</a:t>
+            </a:r>
+            <a:r>
+              <a:rPr lang="en-US" altLang="zh-TW" sz="900" dirty="0"/>
+              <a:t>', radius=3000.0, </a:t>
+            </a:r>
+            <a:r>
+              <a:rPr lang="en-US" altLang="zh-TW" sz="900" dirty="0" err="1"/>
+              <a:t>mining_name</a:t>
+            </a:r>
+            <a:r>
+              <a:rPr lang="en-US" altLang="zh-TW" sz="900" dirty="0"/>
+              <a:t>='hospital')</a:t>
+            </a:r>
+            <a:endParaRPr lang="zh-TW" altLang="en-US" sz="900" dirty="0"/>
+          </a:p>
+        </p:txBody>
+      </p:sp>
+      <p:sp>
+        <p:nvSpPr>
+          <p:cNvPr id="4" name="文字方塊 3">
+            <a:extLst>
+              <a:ext uri="{FF2B5EF4-FFF2-40B4-BE49-F238E27FC236}">
+                <a16:creationId xmlns:a16="http://schemas.microsoft.com/office/drawing/2014/main" id="{B0D662EE-1B23-A24E-8AEC-FA15FDCB5DC0}"/>
+              </a:ext>
+            </a:extLst>
+          </p:cNvPr>
+          <p:cNvSpPr txBox="1"/>
+          <p:nvPr/>
+        </p:nvSpPr>
+        <p:spPr>
+          <a:xfrm>
+            <a:off x="7039215" y="1159773"/>
+            <a:ext cx="5478268" cy="1661993"/>
+          </a:xfrm>
+          <a:prstGeom prst="rect">
+            <a:avLst/>
+          </a:prstGeom>
+          <a:noFill/>
+        </p:spPr>
+        <p:txBody>
+          <a:bodyPr wrap="square" rtlCol="0">
+            <a:spAutoFit/>
+          </a:bodyPr>
+          <a:lstStyle/>
+          <a:p>
+            <a:r>
+              <a:rPr lang="en-US" altLang="zh-TW" sz="600" dirty="0"/>
+              <a:t>"""New feature"""</a:t>
+            </a:r>
+          </a:p>
+          <a:p>
+            <a:r>
+              <a:rPr lang="en-US" altLang="zh-TW" sz="600" dirty="0"/>
+              <a:t>### </a:t>
+            </a:r>
+            <a:r>
+              <a:rPr lang="en-US" altLang="zh-TW" sz="600" dirty="0" err="1"/>
+              <a:t>is_Top_floor</a:t>
+            </a:r>
+            <a:endParaRPr lang="en-US" altLang="zh-TW" sz="600" dirty="0"/>
+          </a:p>
+          <a:p>
+            <a:r>
+              <a:rPr lang="en-US" altLang="zh-TW" sz="600" dirty="0" err="1"/>
+              <a:t>all_data</a:t>
+            </a:r>
+            <a:r>
+              <a:rPr lang="en-US" altLang="zh-TW" sz="600" dirty="0"/>
+              <a:t>['</a:t>
+            </a:r>
+            <a:r>
+              <a:rPr lang="en-US" altLang="zh-TW" sz="600" dirty="0" err="1"/>
+              <a:t>top_floor</a:t>
+            </a:r>
+            <a:r>
+              <a:rPr lang="en-US" altLang="zh-TW" sz="600" dirty="0"/>
+              <a:t>'] = </a:t>
+            </a:r>
+            <a:r>
+              <a:rPr lang="en-US" altLang="zh-TW" sz="600" dirty="0" err="1"/>
+              <a:t>np.where</a:t>
+            </a:r>
+            <a:r>
+              <a:rPr lang="en-US" altLang="zh-TW" sz="600" dirty="0"/>
+              <a:t>((</a:t>
+            </a:r>
+            <a:r>
+              <a:rPr lang="en-US" altLang="zh-TW" sz="600" dirty="0" err="1"/>
+              <a:t>all_data</a:t>
+            </a:r>
+            <a:r>
+              <a:rPr lang="en-US" altLang="zh-TW" sz="600" dirty="0"/>
+              <a:t>['</a:t>
+            </a:r>
+            <a:r>
+              <a:rPr lang="zh-TW" altLang="en-US" sz="600" dirty="0"/>
+              <a:t>總樓層數</a:t>
+            </a:r>
+            <a:r>
+              <a:rPr lang="en-US" altLang="zh-TW" sz="600" dirty="0"/>
+              <a:t>'] == </a:t>
+            </a:r>
+            <a:r>
+              <a:rPr lang="en-US" altLang="zh-TW" sz="600" dirty="0" err="1"/>
+              <a:t>all_data</a:t>
+            </a:r>
+            <a:r>
+              <a:rPr lang="en-US" altLang="zh-TW" sz="600" dirty="0"/>
+              <a:t>['</a:t>
+            </a:r>
+            <a:r>
+              <a:rPr lang="zh-TW" altLang="en-US" sz="600" dirty="0"/>
+              <a:t>移轉層次</a:t>
+            </a:r>
+            <a:r>
+              <a:rPr lang="en-US" altLang="zh-TW" sz="600" dirty="0"/>
+              <a:t>']), 1, 0)</a:t>
+            </a:r>
+          </a:p>
+          <a:p>
+            <a:r>
+              <a:rPr lang="en-US" altLang="zh-TW" sz="600" dirty="0"/>
+              <a:t>### </a:t>
+            </a:r>
+            <a:r>
+              <a:rPr lang="en-US" altLang="zh-TW" sz="600" dirty="0" err="1"/>
+              <a:t>new_town</a:t>
+            </a:r>
+            <a:r>
+              <a:rPr lang="en-US" altLang="zh-TW" sz="600" dirty="0"/>
+              <a:t> = city + town</a:t>
+            </a:r>
+          </a:p>
+          <a:p>
+            <a:r>
+              <a:rPr lang="en-US" altLang="zh-TW" sz="600" dirty="0" err="1"/>
+              <a:t>all_data</a:t>
+            </a:r>
+            <a:r>
+              <a:rPr lang="en-US" altLang="zh-TW" sz="600" dirty="0"/>
+              <a:t>['</a:t>
+            </a:r>
+            <a:r>
+              <a:rPr lang="en-US" altLang="zh-TW" sz="600" dirty="0" err="1"/>
+              <a:t>new_town</a:t>
+            </a:r>
+            <a:r>
+              <a:rPr lang="en-US" altLang="zh-TW" sz="600" dirty="0"/>
+              <a:t>'] = </a:t>
+            </a:r>
+            <a:r>
+              <a:rPr lang="en-US" altLang="zh-TW" sz="600" dirty="0" err="1"/>
+              <a:t>all_data</a:t>
+            </a:r>
+            <a:r>
+              <a:rPr lang="en-US" altLang="zh-TW" sz="600" dirty="0"/>
+              <a:t>['</a:t>
+            </a:r>
+            <a:r>
+              <a:rPr lang="zh-TW" altLang="en-US" sz="600" dirty="0"/>
+              <a:t>縣市</a:t>
+            </a:r>
+            <a:r>
+              <a:rPr lang="en-US" altLang="zh-TW" sz="600" dirty="0"/>
+              <a:t>'].apply(str) + '_' + </a:t>
+            </a:r>
+            <a:r>
+              <a:rPr lang="en-US" altLang="zh-TW" sz="600" dirty="0" err="1"/>
+              <a:t>all_data</a:t>
+            </a:r>
+            <a:r>
+              <a:rPr lang="en-US" altLang="zh-TW" sz="600" dirty="0"/>
+              <a:t>['</a:t>
+            </a:r>
+            <a:r>
+              <a:rPr lang="zh-TW" altLang="en-US" sz="600" dirty="0"/>
+              <a:t>鄉鎮市區</a:t>
+            </a:r>
+            <a:r>
+              <a:rPr lang="en-US" altLang="zh-TW" sz="600" dirty="0"/>
+              <a:t>'].apply(str)</a:t>
+            </a:r>
+          </a:p>
+          <a:p>
+            <a:r>
+              <a:rPr lang="en-US" altLang="zh-TW" sz="600" dirty="0"/>
+              <a:t>### is_2_floor</a:t>
+            </a:r>
+          </a:p>
+          <a:p>
+            <a:r>
+              <a:rPr lang="en-US" altLang="zh-TW" sz="600" dirty="0" err="1"/>
+              <a:t>all_data</a:t>
+            </a:r>
+            <a:r>
+              <a:rPr lang="en-US" altLang="zh-TW" sz="600" dirty="0"/>
+              <a:t>['is_2_floor'] = </a:t>
+            </a:r>
+            <a:r>
+              <a:rPr lang="en-US" altLang="zh-TW" sz="600" dirty="0" err="1"/>
+              <a:t>np.where</a:t>
+            </a:r>
+            <a:r>
+              <a:rPr lang="en-US" altLang="zh-TW" sz="600" dirty="0"/>
+              <a:t>(</a:t>
+            </a:r>
+            <a:r>
+              <a:rPr lang="en-US" altLang="zh-TW" sz="600" dirty="0" err="1"/>
+              <a:t>all_data</a:t>
+            </a:r>
+            <a:r>
+              <a:rPr lang="en-US" altLang="zh-TW" sz="600" dirty="0"/>
+              <a:t>['</a:t>
+            </a:r>
+            <a:r>
+              <a:rPr lang="zh-TW" altLang="en-US" sz="600" dirty="0"/>
+              <a:t>移轉層次</a:t>
+            </a:r>
+            <a:r>
+              <a:rPr lang="en-US" altLang="zh-TW" sz="600" dirty="0"/>
+              <a:t>'] == 2, 1, 0)</a:t>
+            </a:r>
+          </a:p>
+          <a:p>
+            <a:r>
+              <a:rPr lang="en-US" altLang="zh-TW" sz="600" dirty="0"/>
+              <a:t>### is_4_floor</a:t>
+            </a:r>
+          </a:p>
+          <a:p>
+            <a:r>
+              <a:rPr lang="en-US" altLang="zh-TW" sz="600" dirty="0" err="1"/>
+              <a:t>all_data</a:t>
+            </a:r>
+            <a:r>
+              <a:rPr lang="en-US" altLang="zh-TW" sz="600" dirty="0"/>
+              <a:t>['is_4_floor'] = </a:t>
+            </a:r>
+            <a:r>
+              <a:rPr lang="en-US" altLang="zh-TW" sz="600" dirty="0" err="1"/>
+              <a:t>np.where</a:t>
+            </a:r>
+            <a:r>
+              <a:rPr lang="en-US" altLang="zh-TW" sz="600" dirty="0"/>
+              <a:t>(</a:t>
+            </a:r>
+            <a:r>
+              <a:rPr lang="en-US" altLang="zh-TW" sz="600" dirty="0" err="1"/>
+              <a:t>all_data</a:t>
+            </a:r>
+            <a:r>
+              <a:rPr lang="en-US" altLang="zh-TW" sz="600" dirty="0"/>
+              <a:t>['</a:t>
+            </a:r>
+            <a:r>
+              <a:rPr lang="zh-TW" altLang="en-US" sz="600" dirty="0"/>
+              <a:t>移轉層次</a:t>
+            </a:r>
+            <a:r>
+              <a:rPr lang="en-US" altLang="zh-TW" sz="600" dirty="0"/>
+              <a:t>'] == 4, 1, 0)</a:t>
+            </a:r>
+          </a:p>
+          <a:p>
+            <a:r>
+              <a:rPr lang="en-US" altLang="zh-TW" sz="600" dirty="0"/>
+              <a:t>### is_13_floor</a:t>
+            </a:r>
+          </a:p>
+          <a:p>
+            <a:r>
+              <a:rPr lang="en-US" altLang="zh-TW" sz="600" dirty="0" err="1"/>
+              <a:t>all_data</a:t>
+            </a:r>
+            <a:r>
+              <a:rPr lang="en-US" altLang="zh-TW" sz="600" dirty="0"/>
+              <a:t>['is_13_floor'] = </a:t>
+            </a:r>
+            <a:r>
+              <a:rPr lang="en-US" altLang="zh-TW" sz="600" dirty="0" err="1"/>
+              <a:t>np.where</a:t>
+            </a:r>
+            <a:r>
+              <a:rPr lang="en-US" altLang="zh-TW" sz="600" dirty="0"/>
+              <a:t>(</a:t>
+            </a:r>
+            <a:r>
+              <a:rPr lang="en-US" altLang="zh-TW" sz="600" dirty="0" err="1"/>
+              <a:t>all_data</a:t>
+            </a:r>
+            <a:r>
+              <a:rPr lang="en-US" altLang="zh-TW" sz="600" dirty="0"/>
+              <a:t>['</a:t>
+            </a:r>
+            <a:r>
+              <a:rPr lang="zh-TW" altLang="en-US" sz="600" dirty="0"/>
+              <a:t>移轉層次</a:t>
+            </a:r>
+            <a:r>
+              <a:rPr lang="en-US" altLang="zh-TW" sz="600" dirty="0"/>
+              <a:t>'] == 13, 1, 0)</a:t>
+            </a:r>
+          </a:p>
+          <a:p>
+            <a:r>
+              <a:rPr lang="en-US" altLang="zh-TW" sz="600" dirty="0"/>
+              <a:t>### </a:t>
+            </a:r>
+            <a:r>
+              <a:rPr lang="en-US" altLang="zh-TW" sz="600" dirty="0" err="1"/>
+              <a:t>old_house</a:t>
+            </a:r>
+            <a:r>
+              <a:rPr lang="en-US" altLang="zh-TW" sz="600" dirty="0"/>
+              <a:t> (age &gt;= 20)</a:t>
+            </a:r>
+          </a:p>
+          <a:p>
+            <a:r>
+              <a:rPr lang="en-US" altLang="zh-TW" sz="600" dirty="0" err="1"/>
+              <a:t>all_data</a:t>
+            </a:r>
+            <a:r>
+              <a:rPr lang="en-US" altLang="zh-TW" sz="600" dirty="0"/>
+              <a:t>['</a:t>
+            </a:r>
+            <a:r>
+              <a:rPr lang="en-US" altLang="zh-TW" sz="600" dirty="0" err="1"/>
+              <a:t>old_house</a:t>
+            </a:r>
+            <a:r>
+              <a:rPr lang="en-US" altLang="zh-TW" sz="600" dirty="0"/>
+              <a:t>'] = </a:t>
+            </a:r>
+            <a:r>
+              <a:rPr lang="en-US" altLang="zh-TW" sz="600" dirty="0" err="1"/>
+              <a:t>np.where</a:t>
+            </a:r>
+            <a:r>
+              <a:rPr lang="en-US" altLang="zh-TW" sz="600" dirty="0"/>
+              <a:t>(</a:t>
+            </a:r>
+            <a:r>
+              <a:rPr lang="en-US" altLang="zh-TW" sz="600" dirty="0" err="1"/>
+              <a:t>all_data</a:t>
+            </a:r>
+            <a:r>
+              <a:rPr lang="en-US" altLang="zh-TW" sz="600" dirty="0"/>
+              <a:t>['</a:t>
+            </a:r>
+            <a:r>
+              <a:rPr lang="zh-TW" altLang="en-US" sz="600" dirty="0"/>
+              <a:t>屋齡</a:t>
+            </a:r>
+            <a:r>
+              <a:rPr lang="en-US" altLang="zh-TW" sz="600" dirty="0"/>
+              <a:t>'] &gt;= 20, 1, 0)</a:t>
+            </a:r>
+          </a:p>
+          <a:p>
+            <a:r>
+              <a:rPr lang="en-US" altLang="zh-TW" sz="600" dirty="0"/>
+              <a:t>### </a:t>
+            </a:r>
+            <a:r>
+              <a:rPr lang="en-US" altLang="zh-TW" sz="600" dirty="0" err="1"/>
+              <a:t>high_floor</a:t>
+            </a:r>
+            <a:endParaRPr lang="en-US" altLang="zh-TW" sz="600" dirty="0"/>
+          </a:p>
+          <a:p>
+            <a:r>
+              <a:rPr lang="en-US" altLang="zh-TW" sz="600" dirty="0" err="1"/>
+              <a:t>all_data</a:t>
+            </a:r>
+            <a:r>
+              <a:rPr lang="en-US" altLang="zh-TW" sz="600" dirty="0"/>
+              <a:t>['</a:t>
+            </a:r>
+            <a:r>
+              <a:rPr lang="en-US" altLang="zh-TW" sz="600" dirty="0" err="1"/>
+              <a:t>percentage_floor</a:t>
+            </a:r>
+            <a:r>
+              <a:rPr lang="en-US" altLang="zh-TW" sz="600" dirty="0"/>
+              <a:t>'] = </a:t>
+            </a:r>
+            <a:r>
+              <a:rPr lang="en-US" altLang="zh-TW" sz="600" dirty="0" err="1"/>
+              <a:t>all_data</a:t>
+            </a:r>
+            <a:r>
+              <a:rPr lang="en-US" altLang="zh-TW" sz="600" dirty="0"/>
+              <a:t>['</a:t>
+            </a:r>
+            <a:r>
+              <a:rPr lang="zh-TW" altLang="en-US" sz="600" dirty="0"/>
+              <a:t>移轉層次</a:t>
+            </a:r>
+            <a:r>
+              <a:rPr lang="en-US" altLang="zh-TW" sz="600" dirty="0"/>
+              <a:t>'] / </a:t>
+            </a:r>
+            <a:r>
+              <a:rPr lang="en-US" altLang="zh-TW" sz="600" dirty="0" err="1"/>
+              <a:t>all_data</a:t>
+            </a:r>
+            <a:r>
+              <a:rPr lang="en-US" altLang="zh-TW" sz="600" dirty="0"/>
+              <a:t>['</a:t>
+            </a:r>
+            <a:r>
+              <a:rPr lang="zh-TW" altLang="en-US" sz="600" dirty="0"/>
+              <a:t>總樓層數</a:t>
+            </a:r>
+            <a:r>
+              <a:rPr lang="en-US" altLang="zh-TW" sz="600" dirty="0"/>
+              <a:t>']</a:t>
+            </a:r>
+          </a:p>
+          <a:p>
+            <a:r>
+              <a:rPr lang="en-US" altLang="zh-TW" sz="600" dirty="0" err="1"/>
+              <a:t>all_data</a:t>
+            </a:r>
+            <a:r>
+              <a:rPr lang="en-US" altLang="zh-TW" sz="600" dirty="0"/>
+              <a:t>['</a:t>
+            </a:r>
+            <a:r>
+              <a:rPr lang="en-US" altLang="zh-TW" sz="600" dirty="0" err="1"/>
+              <a:t>percentage_floor</a:t>
+            </a:r>
+            <a:r>
+              <a:rPr lang="en-US" altLang="zh-TW" sz="600" dirty="0"/>
+              <a:t>'] = </a:t>
+            </a:r>
+            <a:r>
+              <a:rPr lang="en-US" altLang="zh-TW" sz="600" dirty="0" err="1"/>
+              <a:t>np.where</a:t>
+            </a:r>
+            <a:r>
+              <a:rPr lang="en-US" altLang="zh-TW" sz="600" dirty="0"/>
+              <a:t>(</a:t>
+            </a:r>
+            <a:r>
+              <a:rPr lang="en-US" altLang="zh-TW" sz="600" dirty="0" err="1"/>
+              <a:t>all_data</a:t>
+            </a:r>
+            <a:r>
+              <a:rPr lang="en-US" altLang="zh-TW" sz="600" dirty="0"/>
+              <a:t>['</a:t>
+            </a:r>
+            <a:r>
+              <a:rPr lang="en-US" altLang="zh-TW" sz="600" dirty="0" err="1"/>
+              <a:t>percentage_floor</a:t>
+            </a:r>
+            <a:r>
+              <a:rPr lang="en-US" altLang="zh-TW" sz="600" dirty="0"/>
+              <a:t>'] &gt;= 2/3, 'high', </a:t>
+            </a:r>
+            <a:r>
+              <a:rPr lang="en-US" altLang="zh-TW" sz="600" dirty="0" err="1"/>
+              <a:t>np.where</a:t>
+            </a:r>
+            <a:r>
+              <a:rPr lang="en-US" altLang="zh-TW" sz="600" dirty="0"/>
+              <a:t>(</a:t>
+            </a:r>
+            <a:r>
+              <a:rPr lang="en-US" altLang="zh-TW" sz="600" dirty="0" err="1"/>
+              <a:t>all_data</a:t>
+            </a:r>
+            <a:r>
+              <a:rPr lang="en-US" altLang="zh-TW" sz="600" dirty="0"/>
+              <a:t>['</a:t>
+            </a:r>
+            <a:r>
+              <a:rPr lang="en-US" altLang="zh-TW" sz="600" dirty="0" err="1"/>
+              <a:t>percentage_floor</a:t>
+            </a:r>
+            <a:r>
+              <a:rPr lang="en-US" altLang="zh-TW" sz="600" dirty="0"/>
+              <a:t>'] &gt;= 1/3, 'median', 'low'))</a:t>
+            </a:r>
+          </a:p>
+          <a:p>
+            <a:r>
+              <a:rPr lang="en-US" altLang="zh-TW" sz="600" dirty="0" err="1"/>
+              <a:t>all_data.loc</a:t>
+            </a:r>
+            <a:r>
+              <a:rPr lang="en-US" altLang="zh-TW" sz="600" dirty="0"/>
+              <a:t>[(</a:t>
+            </a:r>
+            <a:r>
+              <a:rPr lang="en-US" altLang="zh-TW" sz="600" dirty="0" err="1"/>
+              <a:t>all_data</a:t>
+            </a:r>
+            <a:r>
+              <a:rPr lang="en-US" altLang="zh-TW" sz="600" dirty="0"/>
+              <a:t>['</a:t>
+            </a:r>
+            <a:r>
+              <a:rPr lang="zh-TW" altLang="en-US" sz="600" dirty="0"/>
+              <a:t>建物型態</a:t>
+            </a:r>
+            <a:r>
+              <a:rPr lang="en-US" altLang="zh-TW" sz="600" dirty="0"/>
+              <a:t>'] == '</a:t>
+            </a:r>
+            <a:r>
+              <a:rPr lang="zh-TW" altLang="en-US" sz="600" dirty="0"/>
+              <a:t>公寓</a:t>
+            </a:r>
+            <a:r>
+              <a:rPr lang="en-US" altLang="zh-TW" sz="600" dirty="0"/>
+              <a:t>(5</a:t>
+            </a:r>
+            <a:r>
+              <a:rPr lang="zh-TW" altLang="en-US" sz="600" dirty="0"/>
+              <a:t>樓含以下無電梯</a:t>
+            </a:r>
+            <a:r>
+              <a:rPr lang="en-US" altLang="zh-TW" sz="600" dirty="0"/>
+              <a:t>)') | (</a:t>
+            </a:r>
+            <a:r>
+              <a:rPr lang="en-US" altLang="zh-TW" sz="600" dirty="0" err="1"/>
+              <a:t>all_data</a:t>
+            </a:r>
+            <a:r>
+              <a:rPr lang="en-US" altLang="zh-TW" sz="600" dirty="0"/>
+              <a:t>['</a:t>
+            </a:r>
+            <a:r>
+              <a:rPr lang="zh-TW" altLang="en-US" sz="600" dirty="0"/>
+              <a:t>建物型態</a:t>
+            </a:r>
+            <a:r>
+              <a:rPr lang="en-US" altLang="zh-TW" sz="600" dirty="0"/>
+              <a:t>'] == '</a:t>
+            </a:r>
+            <a:r>
+              <a:rPr lang="zh-TW" altLang="en-US" sz="600" dirty="0"/>
+              <a:t>透天厝</a:t>
+            </a:r>
+            <a:r>
+              <a:rPr lang="en-US" altLang="zh-TW" sz="600" dirty="0"/>
+              <a:t>'), '</a:t>
+            </a:r>
+            <a:r>
+              <a:rPr lang="en-US" altLang="zh-TW" sz="600" dirty="0" err="1"/>
+              <a:t>percentage_floor</a:t>
+            </a:r>
+            <a:r>
+              <a:rPr lang="en-US" altLang="zh-TW" sz="600" dirty="0"/>
+              <a:t>'] = 'None'</a:t>
+            </a:r>
+            <a:endParaRPr lang="zh-TW" altLang="en-US" sz="600" dirty="0"/>
+          </a:p>
+        </p:txBody>
+      </p:sp>
+      <p:sp>
+        <p:nvSpPr>
+          <p:cNvPr id="5" name="文字方塊 4">
+            <a:extLst>
+              <a:ext uri="{FF2B5EF4-FFF2-40B4-BE49-F238E27FC236}">
+                <a16:creationId xmlns:a16="http://schemas.microsoft.com/office/drawing/2014/main" id="{1CAF69A0-89CF-EB4F-DCB9-E74975C16B4D}"/>
+              </a:ext>
+            </a:extLst>
+          </p:cNvPr>
+          <p:cNvSpPr txBox="1"/>
+          <p:nvPr/>
+        </p:nvSpPr>
+        <p:spPr>
+          <a:xfrm>
+            <a:off x="16924" y="3883596"/>
+            <a:ext cx="9025467" cy="1384995"/>
+          </a:xfrm>
+          <a:prstGeom prst="rect">
+            <a:avLst/>
+          </a:prstGeom>
+          <a:noFill/>
+        </p:spPr>
+        <p:txBody>
+          <a:bodyPr wrap="square" rtlCol="0">
+            <a:spAutoFit/>
+          </a:bodyPr>
+          <a:lstStyle/>
+          <a:p>
+            <a:r>
+              <a:rPr lang="en-US" altLang="zh-TW" sz="1400" dirty="0" err="1"/>
+              <a:t>model_lgb</a:t>
+            </a:r>
+            <a:r>
+              <a:rPr lang="en-US" altLang="zh-TW" sz="1400" dirty="0"/>
+              <a:t> = lgb.LGBMRegressor(</a:t>
+            </a:r>
+            <a:r>
+              <a:rPr lang="en-US" altLang="zh-TW" sz="1400" dirty="0" err="1"/>
+              <a:t>bagging_fraction</a:t>
+            </a:r>
+            <a:r>
+              <a:rPr lang="en-US" altLang="zh-TW" sz="1400" dirty="0"/>
+              <a:t>=0.72, </a:t>
+            </a:r>
+            <a:r>
+              <a:rPr lang="en-US" altLang="zh-TW" sz="1400" dirty="0" err="1"/>
+              <a:t>bagging_freq</a:t>
+            </a:r>
+            <a:r>
+              <a:rPr lang="en-US" altLang="zh-TW" sz="1400" dirty="0"/>
+              <a:t>=4, </a:t>
+            </a:r>
+            <a:r>
+              <a:rPr lang="en-US" altLang="zh-TW" sz="1400" dirty="0" err="1"/>
+              <a:t>bagging_seed</a:t>
+            </a:r>
+            <a:r>
+              <a:rPr lang="en-US" altLang="zh-TW" sz="1400" dirty="0"/>
+              <a:t>=9,</a:t>
+            </a:r>
+          </a:p>
+          <a:p>
+            <a:r>
+              <a:rPr lang="en-US" altLang="zh-TW" sz="1400" dirty="0"/>
+              <a:t>              </a:t>
+            </a:r>
+            <a:r>
+              <a:rPr lang="en-US" altLang="zh-TW" sz="1400" dirty="0" err="1"/>
+              <a:t>early_stopping_rounds</a:t>
+            </a:r>
+            <a:r>
+              <a:rPr lang="en-US" altLang="zh-TW" sz="1400" dirty="0"/>
+              <a:t>=150, </a:t>
+            </a:r>
+            <a:r>
+              <a:rPr lang="en-US" altLang="zh-TW" sz="1400" dirty="0" err="1"/>
+              <a:t>feature_fraction</a:t>
+            </a:r>
+            <a:r>
+              <a:rPr lang="en-US" altLang="zh-TW" sz="1400" dirty="0"/>
+              <a:t>=0.7,</a:t>
+            </a:r>
+          </a:p>
+          <a:p>
+            <a:r>
+              <a:rPr lang="en-US" altLang="zh-TW" sz="1400" dirty="0"/>
+              <a:t>              </a:t>
+            </a:r>
+            <a:r>
+              <a:rPr lang="en-US" altLang="zh-TW" sz="1400" dirty="0" err="1"/>
+              <a:t>feature_fraction_seed</a:t>
+            </a:r>
+            <a:r>
+              <a:rPr lang="en-US" altLang="zh-TW" sz="1400" dirty="0"/>
+              <a:t>=9, </a:t>
+            </a:r>
+            <a:r>
+              <a:rPr lang="en-US" altLang="zh-TW" sz="1400" dirty="0" err="1"/>
+              <a:t>learning_rate</a:t>
+            </a:r>
+            <a:r>
+              <a:rPr lang="en-US" altLang="zh-TW" sz="1400" dirty="0"/>
+              <a:t>=0.01, </a:t>
+            </a:r>
+            <a:r>
+              <a:rPr lang="en-US" altLang="zh-TW" sz="1400" dirty="0" err="1"/>
+              <a:t>max_bin</a:t>
+            </a:r>
+            <a:r>
+              <a:rPr lang="en-US" altLang="zh-TW" sz="1400" dirty="0"/>
+              <a:t>=500,</a:t>
+            </a:r>
+          </a:p>
+          <a:p>
+            <a:r>
+              <a:rPr lang="en-US" altLang="zh-TW" sz="1400" dirty="0"/>
+              <a:t>              metric='</a:t>
+            </a:r>
+            <a:r>
+              <a:rPr lang="en-US" altLang="zh-TW" sz="1400" dirty="0" err="1"/>
+              <a:t>mape</a:t>
+            </a:r>
+            <a:r>
+              <a:rPr lang="en-US" altLang="zh-TW" sz="1400" dirty="0"/>
+              <a:t>', </a:t>
+            </a:r>
+            <a:r>
+              <a:rPr lang="en-US" altLang="zh-TW" sz="1400" dirty="0" err="1"/>
+              <a:t>min_data_in_leaf</a:t>
+            </a:r>
+            <a:r>
+              <a:rPr lang="en-US" altLang="zh-TW" sz="1400" dirty="0"/>
+              <a:t>=3, </a:t>
+            </a:r>
+            <a:r>
+              <a:rPr lang="en-US" altLang="zh-TW" sz="1400" dirty="0" err="1"/>
+              <a:t>min_sum_hessian_in_leaf</a:t>
+            </a:r>
+            <a:r>
+              <a:rPr lang="en-US" altLang="zh-TW" sz="1400" dirty="0"/>
+              <a:t>=1,</a:t>
+            </a:r>
+          </a:p>
+          <a:p>
+            <a:r>
+              <a:rPr lang="en-US" altLang="zh-TW" sz="1400" dirty="0"/>
+              <a:t>              </a:t>
+            </a:r>
+            <a:r>
+              <a:rPr lang="en-US" altLang="zh-TW" sz="1400" dirty="0" err="1"/>
+              <a:t>n_estimators</a:t>
+            </a:r>
+            <a:r>
+              <a:rPr lang="en-US" altLang="zh-TW" sz="1400" dirty="0"/>
+              <a:t>=30000, </a:t>
+            </a:r>
+            <a:r>
+              <a:rPr lang="en-US" altLang="zh-TW" sz="1400" dirty="0" err="1"/>
+              <a:t>num_leaves</a:t>
+            </a:r>
+            <a:r>
+              <a:rPr lang="en-US" altLang="zh-TW" sz="1400" dirty="0"/>
+              <a:t>=350, objective='regression',</a:t>
+            </a:r>
+          </a:p>
+          <a:p>
+            <a:r>
+              <a:rPr lang="en-US" altLang="zh-TW" sz="1400" dirty="0"/>
+              <a:t>              </a:t>
+            </a:r>
+            <a:r>
+              <a:rPr lang="en-US" altLang="zh-TW" sz="1400" dirty="0" err="1"/>
+              <a:t>reg_alpha</a:t>
+            </a:r>
+            <a:r>
+              <a:rPr lang="en-US" altLang="zh-TW" sz="1400" dirty="0"/>
+              <a:t>=0.03, </a:t>
+            </a:r>
+            <a:r>
+              <a:rPr lang="en-US" altLang="zh-TW" sz="1400" dirty="0" err="1"/>
+              <a:t>reg_lambda</a:t>
+            </a:r>
+            <a:r>
+              <a:rPr lang="en-US" altLang="zh-TW" sz="1400" dirty="0"/>
+              <a:t>=0.15, verbose=0)</a:t>
+            </a:r>
+            <a:endParaRPr lang="zh-TW" altLang="en-US" sz="1400" dirty="0"/>
+          </a:p>
+        </p:txBody>
+      </p:sp>
+      <p:sp>
+        <p:nvSpPr>
+          <p:cNvPr id="6" name="文字方塊 5">
+            <a:extLst>
+              <a:ext uri="{FF2B5EF4-FFF2-40B4-BE49-F238E27FC236}">
+                <a16:creationId xmlns:a16="http://schemas.microsoft.com/office/drawing/2014/main" id="{3374F341-C8D4-49C2-0E56-AA953CB7E0B5}"/>
+              </a:ext>
+            </a:extLst>
+          </p:cNvPr>
+          <p:cNvSpPr txBox="1"/>
+          <p:nvPr/>
+        </p:nvSpPr>
+        <p:spPr>
+          <a:xfrm>
+            <a:off x="169324" y="5698067"/>
+            <a:ext cx="2667000" cy="369332"/>
+          </a:xfrm>
+          <a:prstGeom prst="rect">
+            <a:avLst/>
+          </a:prstGeom>
+          <a:noFill/>
+        </p:spPr>
+        <p:txBody>
+          <a:bodyPr wrap="square" rtlCol="0">
+            <a:spAutoFit/>
+          </a:bodyPr>
+          <a:lstStyle/>
+          <a:p>
+            <a:r>
+              <a:rPr lang="en-US" altLang="zh-TW" dirty="0"/>
+              <a:t>Submit MAPE: </a:t>
+            </a:r>
+            <a:endParaRPr lang="zh-TW" altLang="en-US" dirty="0"/>
+          </a:p>
+        </p:txBody>
+      </p:sp>
+      <p:sp>
+        <p:nvSpPr>
+          <p:cNvPr id="7" name="文字方塊 6">
+            <a:extLst>
+              <a:ext uri="{FF2B5EF4-FFF2-40B4-BE49-F238E27FC236}">
+                <a16:creationId xmlns:a16="http://schemas.microsoft.com/office/drawing/2014/main" id="{67F00EC7-9289-02B9-D834-1AD8AA1EABA5}"/>
+              </a:ext>
+            </a:extLst>
+          </p:cNvPr>
+          <p:cNvSpPr txBox="1"/>
+          <p:nvPr/>
+        </p:nvSpPr>
+        <p:spPr>
+          <a:xfrm>
+            <a:off x="8906934" y="5467234"/>
+            <a:ext cx="3285066" cy="1200329"/>
+          </a:xfrm>
+          <a:prstGeom prst="rect">
+            <a:avLst/>
+          </a:prstGeom>
+          <a:noFill/>
+        </p:spPr>
+        <p:txBody>
+          <a:bodyPr wrap="square" rtlCol="0">
+            <a:spAutoFit/>
+          </a:bodyPr>
+          <a:lstStyle/>
+          <a:p>
+            <a:r>
+              <a:rPr lang="en-US" altLang="zh-TW" sz="1800" dirty="0"/>
+              <a:t>Rmsle</a:t>
+            </a:r>
+            <a:r>
+              <a:rPr lang="en-US" altLang="zh-TW" dirty="0"/>
+              <a:t>:0.07734740075384453</a:t>
+            </a:r>
+          </a:p>
+          <a:p>
+            <a:r>
+              <a:rPr lang="en-US" altLang="zh-TW" sz="1800" dirty="0"/>
+              <a:t>Mape</a:t>
+            </a:r>
+            <a:r>
+              <a:rPr lang="en-US" altLang="zh-TW" dirty="0"/>
+              <a:t>:0.05918457527806669</a:t>
+            </a:r>
+          </a:p>
+          <a:p>
+            <a:r>
+              <a:rPr lang="en-US" altLang="zh-TW" sz="1800" dirty="0"/>
+              <a:t>Test_score</a:t>
+            </a:r>
+            <a:r>
+              <a:rPr lang="en-US" altLang="zh-TW" dirty="0"/>
+              <a:t>:7032.9059997991135</a:t>
+            </a:r>
+            <a:r>
+              <a:rPr lang="en-US" altLang="zh-TW" sz="1800" dirty="0"/>
+              <a:t>Train_score</a:t>
+            </a:r>
+            <a:r>
+              <a:rPr lang="en-US" altLang="zh-TW" dirty="0"/>
+              <a:t>:9703.988323130272</a:t>
+            </a:r>
+            <a:endParaRPr lang="zh-TW" altLang="en-US" dirty="0"/>
+          </a:p>
+        </p:txBody>
+      </p:sp>
+      <p:sp>
+        <p:nvSpPr>
+          <p:cNvPr id="8" name="投影片編號版面配置區 7">
+            <a:extLst>
+              <a:ext uri="{FF2B5EF4-FFF2-40B4-BE49-F238E27FC236}">
+                <a16:creationId xmlns:a16="http://schemas.microsoft.com/office/drawing/2014/main" id="{65869166-1035-EC78-1219-FE7D3447F522}"/>
+              </a:ext>
+            </a:extLst>
+          </p:cNvPr>
+          <p:cNvSpPr>
+            <a:spLocks noGrp="1"/>
+          </p:cNvSpPr>
+          <p:nvPr>
+            <p:ph type="sldNum" sz="quarter" idx="12"/>
+          </p:nvPr>
+        </p:nvSpPr>
+        <p:spPr/>
+        <p:txBody>
+          <a:bodyPr/>
+          <a:lstStyle/>
+          <a:p>
+            <a:fld id="{6446E7E4-A6F4-4AE8-BBF4-706CA6438305}" type="slidenum">
+              <a:rPr lang="zh-TW" altLang="en-US" smtClean="0"/>
+              <a:t>15</a:t>
+            </a:fld>
+            <a:endParaRPr lang="zh-TW" altLang="en-US" dirty="0"/>
+          </a:p>
+        </p:txBody>
+      </p:sp>
+    </p:spTree>
+    <p:extLst>
+      <p:ext uri="{BB962C8B-B14F-4D97-AF65-F5344CB8AC3E}">
+        <p14:creationId xmlns:p14="http://schemas.microsoft.com/office/powerpoint/2010/main" val="145634095"/>
+      </p:ext>
+    </p:extLst>
+  </p:cSld>
+  <p:clrMapOvr>
+    <a:masterClrMapping/>
+  </p:clrMapOvr>
+</p:sld>
+</file>
+
+<file path=ppt/slides/slide16.xml><?xml version="1.0" encoding="utf-8"?>
+<p:sld xmlns:a="http://schemas.openxmlformats.org/drawingml/2006/main" xmlns:r="http://schemas.openxmlformats.org/officeDocument/2006/relationships" xmlns:p="http://schemas.openxmlformats.org/presentationml/2006/main">
+  <p:cSld>
+    <p:spTree>
+      <p:nvGrpSpPr>
+        <p:cNvPr id="1" name=""/>
+        <p:cNvGrpSpPr/>
+        <p:nvPr/>
+      </p:nvGrpSpPr>
+      <p:grpSpPr>
+        <a:xfrm>
+          <a:off x="0" y="0"/>
+          <a:ext cx="0" cy="0"/>
+          <a:chOff x="0" y="0"/>
+          <a:chExt cx="0" cy="0"/>
+        </a:xfrm>
+      </p:grpSpPr>
+      <p:pic>
+        <p:nvPicPr>
+          <p:cNvPr id="2052" name="Picture 4">
+            <a:extLst>
+              <a:ext uri="{FF2B5EF4-FFF2-40B4-BE49-F238E27FC236}">
+                <a16:creationId xmlns:a16="http://schemas.microsoft.com/office/drawing/2014/main" id="{914DF749-82A2-ABC4-B8BD-CF733F9BD2C9}"/>
+              </a:ext>
+            </a:extLst>
+          </p:cNvPr>
+          <p:cNvPicPr>
+            <a:picLocks noChangeAspect="1" noChangeArrowheads="1"/>
+          </p:cNvPicPr>
+          <p:nvPr/>
+        </p:nvPicPr>
+        <p:blipFill>
+          <a:blip r:embed="rId2">
+            <a:extLst>
+              <a:ext uri="{28A0092B-C50C-407E-A947-70E740481C1C}">
+                <a14:useLocalDpi xmlns:a14="http://schemas.microsoft.com/office/drawing/2010/main" val="0"/>
+              </a:ext>
+            </a:extLst>
+          </a:blip>
+          <a:srcRect/>
+          <a:stretch/>
+        </p:blipFill>
+        <p:spPr bwMode="auto">
+          <a:xfrm>
+            <a:off x="1301547" y="0"/>
+            <a:ext cx="9588906" cy="6858000"/>
+          </a:xfrm>
+          <a:prstGeom prst="rect">
+            <a:avLst/>
+          </a:prstGeom>
+          <a:noFill/>
+          <a:extLst>
+            <a:ext uri="{909E8E84-426E-40DD-AFC4-6F175D3DCCD1}">
+              <a14:hiddenFill xmlns:a14="http://schemas.microsoft.com/office/drawing/2010/main">
+                <a:solidFill>
+                  <a:srgbClr val="FFFFFF"/>
+                </a:solidFill>
+              </a14:hiddenFill>
+            </a:ext>
+          </a:extLst>
+        </p:spPr>
+      </p:pic>
+      <p:sp>
+        <p:nvSpPr>
+          <p:cNvPr id="2" name="投影片編號版面配置區 1">
+            <a:extLst>
+              <a:ext uri="{FF2B5EF4-FFF2-40B4-BE49-F238E27FC236}">
+                <a16:creationId xmlns:a16="http://schemas.microsoft.com/office/drawing/2014/main" id="{8304091D-FC95-8331-767F-15159FA37274}"/>
+              </a:ext>
+            </a:extLst>
+          </p:cNvPr>
+          <p:cNvSpPr>
+            <a:spLocks noGrp="1"/>
+          </p:cNvSpPr>
+          <p:nvPr>
+            <p:ph type="sldNum" sz="quarter" idx="12"/>
+          </p:nvPr>
+        </p:nvSpPr>
+        <p:spPr/>
+        <p:txBody>
+          <a:bodyPr/>
+          <a:lstStyle/>
+          <a:p>
+            <a:fld id="{6446E7E4-A6F4-4AE8-BBF4-706CA6438305}" type="slidenum">
+              <a:rPr lang="zh-TW" altLang="en-US" smtClean="0"/>
+              <a:t>16</a:t>
+            </a:fld>
+            <a:endParaRPr lang="zh-TW" altLang="en-US"/>
+          </a:p>
+        </p:txBody>
+      </p:sp>
+    </p:spTree>
+    <p:extLst>
+      <p:ext uri="{BB962C8B-B14F-4D97-AF65-F5344CB8AC3E}">
+        <p14:creationId xmlns:p14="http://schemas.microsoft.com/office/powerpoint/2010/main" val="928307752"/>
+      </p:ext>
+    </p:extLst>
+  </p:cSld>
+  <p:clrMapOvr>
+    <a:masterClrMapping/>
+  </p:clrMapOvr>
+</p:sld>
+</file>
+
+<file path=ppt/slides/slide17.xml><?xml version="1.0" encoding="utf-8"?>
+<p:sld xmlns:a="http://schemas.openxmlformats.org/drawingml/2006/main" xmlns:r="http://schemas.openxmlformats.org/officeDocument/2006/relationships" xmlns:p="http://schemas.openxmlformats.org/presentationml/2006/main">
+  <p:cSld>
+    <p:spTree>
+      <p:nvGrpSpPr>
+        <p:cNvPr id="1" name=""/>
+        <p:cNvGrpSpPr/>
+        <p:nvPr/>
+      </p:nvGrpSpPr>
+      <p:grpSpPr>
+        <a:xfrm>
+          <a:off x="0" y="0"/>
+          <a:ext cx="0" cy="0"/>
+          <a:chOff x="0" y="0"/>
+          <a:chExt cx="0" cy="0"/>
+        </a:xfrm>
+      </p:grpSpPr>
+      <p:sp>
+        <p:nvSpPr>
+          <p:cNvPr id="2" name="標題 1">
+            <a:extLst>
+              <a:ext uri="{FF2B5EF4-FFF2-40B4-BE49-F238E27FC236}">
                 <a16:creationId xmlns:a16="http://schemas.microsoft.com/office/drawing/2014/main" id="{C3E05A8B-D8CD-CB94-0797-C0F19534DCD4}"/>
               </a:ext>
             </a:extLst>
@@ -7832,7 +9414,7 @@
           <a:p>
             <a:fld id="{6446E7E4-A6F4-4AE8-BBF4-706CA6438305}" type="slidenum">
               <a:rPr lang="zh-TW" altLang="en-US" smtClean="0"/>
-              <a:t>15</a:t>
+              <a:t>17</a:t>
             </a:fld>
             <a:endParaRPr lang="zh-TW" altLang="en-US"/>
           </a:p>
@@ -7851,7 +9433,7 @@
 </p:sld>
 </file>
 
-<file path=ppt/slides/slide16.xml><?xml version="1.0" encoding="utf-8"?>
+<file path=ppt/slides/slide18.xml><?xml version="1.0" encoding="utf-8"?>
 <p:sld xmlns:a="http://schemas.openxmlformats.org/drawingml/2006/main" xmlns:r="http://schemas.openxmlformats.org/officeDocument/2006/relationships" xmlns:p="http://schemas.openxmlformats.org/presentationml/2006/main">
   <p:cSld>
     <p:spTree>
@@ -7938,7 +9520,7 @@
           <a:p>
             <a:fld id="{6446E7E4-A6F4-4AE8-BBF4-706CA6438305}" type="slidenum">
               <a:rPr lang="zh-TW" altLang="en-US" smtClean="0"/>
-              <a:t>16</a:t>
+              <a:t>18</a:t>
             </a:fld>
             <a:endParaRPr lang="zh-TW" altLang="en-US"/>
           </a:p>
@@ -7957,7 +9539,7 @@
 </p:sld>
 </file>
 
-<file path=ppt/slides/slide17.xml><?xml version="1.0" encoding="utf-8"?>
+<file path=ppt/slides/slide19.xml><?xml version="1.0" encoding="utf-8"?>
 <p:sld xmlns:a="http://schemas.openxmlformats.org/drawingml/2006/main" xmlns:r="http://schemas.openxmlformats.org/officeDocument/2006/relationships" xmlns:p="http://schemas.openxmlformats.org/presentationml/2006/main">
   <p:cSld>
     <p:spTree>
@@ -8044,7 +9626,7 @@
           <a:p>
             <a:fld id="{6446E7E4-A6F4-4AE8-BBF4-706CA6438305}" type="slidenum">
               <a:rPr lang="zh-TW" altLang="en-US" smtClean="0"/>
-              <a:t>17</a:t>
+              <a:t>19</a:t>
             </a:fld>
             <a:endParaRPr lang="zh-TW" altLang="en-US"/>
           </a:p>
@@ -8054,761 +9636,6 @@
     <p:extLst>
       <p:ext uri="{BB962C8B-B14F-4D97-AF65-F5344CB8AC3E}">
         <p14:creationId xmlns:p14="http://schemas.microsoft.com/office/powerpoint/2010/main" val="1397488768"/>
-      </p:ext>
-    </p:extLst>
-  </p:cSld>
-  <p:clrMapOvr>
-    <a:masterClrMapping/>
-  </p:clrMapOvr>
-</p:sld>
-</file>
-
-<file path=ppt/slides/slide18.xml><?xml version="1.0" encoding="utf-8"?>
-<p:sld xmlns:a="http://schemas.openxmlformats.org/drawingml/2006/main" xmlns:r="http://schemas.openxmlformats.org/officeDocument/2006/relationships" xmlns:p="http://schemas.openxmlformats.org/presentationml/2006/main" show="0">
-  <p:cSld>
-    <p:spTree>
-      <p:nvGrpSpPr>
-        <p:cNvPr id="1" name=""/>
-        <p:cNvGrpSpPr/>
-        <p:nvPr/>
-      </p:nvGrpSpPr>
-      <p:grpSpPr>
-        <a:xfrm>
-          <a:off x="0" y="0"/>
-          <a:ext cx="0" cy="0"/>
-          <a:chOff x="0" y="0"/>
-          <a:chExt cx="0" cy="0"/>
-        </a:xfrm>
-      </p:grpSpPr>
-      <p:sp>
-        <p:nvSpPr>
-          <p:cNvPr id="2" name="標題 1">
-            <a:extLst>
-              <a:ext uri="{FF2B5EF4-FFF2-40B4-BE49-F238E27FC236}">
-                <a16:creationId xmlns:a16="http://schemas.microsoft.com/office/drawing/2014/main" id="{92B72563-1F08-4BA5-34AB-870B07C743F0}"/>
-              </a:ext>
-            </a:extLst>
-          </p:cNvPr>
-          <p:cNvSpPr>
-            <a:spLocks noGrp="1"/>
-          </p:cNvSpPr>
-          <p:nvPr>
-            <p:ph type="title"/>
-          </p:nvPr>
-        </p:nvSpPr>
-        <p:spPr/>
-        <p:txBody>
-          <a:bodyPr/>
-          <a:lstStyle/>
-          <a:p>
-            <a:r>
-              <a:rPr lang="en-US" altLang="zh-TW" dirty="0"/>
-              <a:t>Model </a:t>
-            </a:r>
-            <a:endParaRPr lang="zh-TW" altLang="en-US" dirty="0"/>
-          </a:p>
-        </p:txBody>
-      </p:sp>
-      <p:sp>
-        <p:nvSpPr>
-          <p:cNvPr id="3" name="文字版面配置區 2">
-            <a:extLst>
-              <a:ext uri="{FF2B5EF4-FFF2-40B4-BE49-F238E27FC236}">
-                <a16:creationId xmlns:a16="http://schemas.microsoft.com/office/drawing/2014/main" id="{F61614AB-ACF0-00F7-835F-CDA205902BDC}"/>
-              </a:ext>
-            </a:extLst>
-          </p:cNvPr>
-          <p:cNvSpPr>
-            <a:spLocks noGrp="1"/>
-          </p:cNvSpPr>
-          <p:nvPr>
-            <p:ph type="body" idx="1"/>
-          </p:nvPr>
-        </p:nvSpPr>
-        <p:spPr/>
-        <p:txBody>
-          <a:bodyPr/>
-          <a:lstStyle/>
-          <a:p>
-            <a:endParaRPr lang="zh-TW" altLang="en-US" dirty="0"/>
-          </a:p>
-        </p:txBody>
-      </p:sp>
-      <p:sp>
-        <p:nvSpPr>
-          <p:cNvPr id="4" name="投影片編號版面配置區 3">
-            <a:extLst>
-              <a:ext uri="{FF2B5EF4-FFF2-40B4-BE49-F238E27FC236}">
-                <a16:creationId xmlns:a16="http://schemas.microsoft.com/office/drawing/2014/main" id="{E4023A3B-8BA6-2F7B-4BCE-E8F65858D623}"/>
-              </a:ext>
-            </a:extLst>
-          </p:cNvPr>
-          <p:cNvSpPr>
-            <a:spLocks noGrp="1"/>
-          </p:cNvSpPr>
-          <p:nvPr>
-            <p:ph type="sldNum" sz="quarter" idx="12"/>
-          </p:nvPr>
-        </p:nvSpPr>
-        <p:spPr/>
-        <p:txBody>
-          <a:bodyPr/>
-          <a:lstStyle/>
-          <a:p>
-            <a:fld id="{6446E7E4-A6F4-4AE8-BBF4-706CA6438305}" type="slidenum">
-              <a:rPr lang="zh-TW" altLang="en-US" smtClean="0"/>
-              <a:t>18</a:t>
-            </a:fld>
-            <a:endParaRPr lang="zh-TW" altLang="en-US"/>
-          </a:p>
-        </p:txBody>
-      </p:sp>
-    </p:spTree>
-    <p:extLst>
-      <p:ext uri="{BB962C8B-B14F-4D97-AF65-F5344CB8AC3E}">
-        <p14:creationId xmlns:p14="http://schemas.microsoft.com/office/powerpoint/2010/main" val="2718014013"/>
-      </p:ext>
-    </p:extLst>
-  </p:cSld>
-  <p:clrMapOvr>
-    <a:masterClrMapping/>
-  </p:clrMapOvr>
-</p:sld>
-</file>
-
-<file path=ppt/slides/slide19.xml><?xml version="1.0" encoding="utf-8"?>
-<p:sld xmlns:a="http://schemas.openxmlformats.org/drawingml/2006/main" xmlns:r="http://schemas.openxmlformats.org/officeDocument/2006/relationships" xmlns:p="http://schemas.openxmlformats.org/presentationml/2006/main" show="0">
-  <p:cSld>
-    <p:spTree>
-      <p:nvGrpSpPr>
-        <p:cNvPr id="1" name=""/>
-        <p:cNvGrpSpPr/>
-        <p:nvPr/>
-      </p:nvGrpSpPr>
-      <p:grpSpPr>
-        <a:xfrm>
-          <a:off x="0" y="0"/>
-          <a:ext cx="0" cy="0"/>
-          <a:chOff x="0" y="0"/>
-          <a:chExt cx="0" cy="0"/>
-        </a:xfrm>
-      </p:grpSpPr>
-      <p:sp>
-        <p:nvSpPr>
-          <p:cNvPr id="4" name="文字方塊 3">
-            <a:extLst>
-              <a:ext uri="{FF2B5EF4-FFF2-40B4-BE49-F238E27FC236}">
-                <a16:creationId xmlns:a16="http://schemas.microsoft.com/office/drawing/2014/main" id="{38766FE9-DB9E-46DC-C17A-C4A573D130DB}"/>
-              </a:ext>
-            </a:extLst>
-          </p:cNvPr>
-          <p:cNvSpPr txBox="1"/>
-          <p:nvPr/>
-        </p:nvSpPr>
-        <p:spPr>
-          <a:xfrm>
-            <a:off x="438540" y="-9"/>
-            <a:ext cx="3013788" cy="3046988"/>
-          </a:xfrm>
-          <a:prstGeom prst="rect">
-            <a:avLst/>
-          </a:prstGeom>
-          <a:noFill/>
-        </p:spPr>
-        <p:txBody>
-          <a:bodyPr wrap="square" rtlCol="0">
-            <a:spAutoFit/>
-          </a:bodyPr>
-          <a:lstStyle/>
-          <a:p>
-            <a:r>
-              <a:rPr lang="en-US" altLang="zh-TW" sz="1600" dirty="0"/>
-              <a:t>Top1 result :</a:t>
-            </a:r>
-          </a:p>
-          <a:p>
-            <a:r>
-              <a:rPr lang="en-US" altLang="zh-TW" sz="1600" dirty="0" err="1"/>
-              <a:t>val</a:t>
-            </a:r>
-            <a:r>
-              <a:rPr lang="en-US" altLang="zh-TW" sz="1600" dirty="0"/>
-              <a:t> :  -0.9054359244190752</a:t>
-            </a:r>
-          </a:p>
-          <a:p>
-            <a:r>
-              <a:rPr lang="en-US" altLang="zh-TW" sz="1600" dirty="0" err="1"/>
-              <a:t>bagging_fraction</a:t>
-            </a:r>
-            <a:r>
-              <a:rPr lang="en-US" altLang="zh-TW" sz="1600" dirty="0"/>
-              <a:t> 0.72</a:t>
-            </a:r>
-          </a:p>
-          <a:p>
-            <a:r>
-              <a:rPr lang="en-US" altLang="zh-TW" sz="1600" dirty="0" err="1"/>
-              <a:t>bagging_freq</a:t>
-            </a:r>
-            <a:r>
-              <a:rPr lang="en-US" altLang="zh-TW" sz="1600" dirty="0"/>
-              <a:t> 4</a:t>
-            </a:r>
-          </a:p>
-          <a:p>
-            <a:r>
-              <a:rPr lang="en-US" altLang="zh-TW" sz="1600" dirty="0" err="1"/>
-              <a:t>feature_fraction</a:t>
-            </a:r>
-            <a:r>
-              <a:rPr lang="en-US" altLang="zh-TW" sz="1600" dirty="0"/>
-              <a:t> 0.7</a:t>
-            </a:r>
-          </a:p>
-          <a:p>
-            <a:r>
-              <a:rPr lang="en-US" altLang="zh-TW" sz="1600" dirty="0" err="1"/>
-              <a:t>max_bin</a:t>
-            </a:r>
-            <a:r>
-              <a:rPr lang="en-US" altLang="zh-TW" sz="1600" dirty="0"/>
-              <a:t> 450</a:t>
-            </a:r>
-          </a:p>
-          <a:p>
-            <a:r>
-              <a:rPr lang="en-US" altLang="zh-TW" sz="1600" dirty="0" err="1"/>
-              <a:t>max_depth</a:t>
-            </a:r>
-            <a:r>
-              <a:rPr lang="en-US" altLang="zh-TW" sz="1600" dirty="0"/>
-              <a:t> -1</a:t>
-            </a:r>
-          </a:p>
-          <a:p>
-            <a:r>
-              <a:rPr lang="en-US" altLang="zh-TW" sz="1600" dirty="0" err="1"/>
-              <a:t>min_data_in_leaf</a:t>
-            </a:r>
-            <a:r>
-              <a:rPr lang="en-US" altLang="zh-TW" sz="1600" dirty="0"/>
-              <a:t> 2</a:t>
-            </a:r>
-          </a:p>
-          <a:p>
-            <a:r>
-              <a:rPr lang="en-US" altLang="zh-TW" sz="1600" dirty="0" err="1"/>
-              <a:t>min_sum_hessian_in_leaf</a:t>
-            </a:r>
-            <a:r>
-              <a:rPr lang="en-US" altLang="zh-TW" sz="1600" dirty="0"/>
-              <a:t> 1</a:t>
-            </a:r>
-          </a:p>
-          <a:p>
-            <a:r>
-              <a:rPr lang="en-US" altLang="zh-TW" sz="1600" dirty="0" err="1"/>
-              <a:t>num_leaves</a:t>
-            </a:r>
-            <a:r>
-              <a:rPr lang="en-US" altLang="zh-TW" sz="1600" dirty="0"/>
-              <a:t> 500</a:t>
-            </a:r>
-          </a:p>
-          <a:p>
-            <a:r>
-              <a:rPr lang="en-US" altLang="zh-TW" sz="1600" dirty="0" err="1"/>
-              <a:t>reg_alpha</a:t>
-            </a:r>
-            <a:r>
-              <a:rPr lang="en-US" altLang="zh-TW" sz="1600" dirty="0"/>
-              <a:t> 0.03</a:t>
-            </a:r>
-          </a:p>
-          <a:p>
-            <a:r>
-              <a:rPr lang="en-US" altLang="zh-TW" sz="1600" dirty="0" err="1"/>
-              <a:t>reg_lambda</a:t>
-            </a:r>
-            <a:r>
-              <a:rPr lang="en-US" altLang="zh-TW" sz="1600" dirty="0"/>
-              <a:t> 0.0</a:t>
-            </a:r>
-            <a:endParaRPr lang="zh-TW" altLang="en-US" sz="1600" dirty="0"/>
-          </a:p>
-        </p:txBody>
-      </p:sp>
-      <p:sp>
-        <p:nvSpPr>
-          <p:cNvPr id="6" name="文字方塊 5">
-            <a:extLst>
-              <a:ext uri="{FF2B5EF4-FFF2-40B4-BE49-F238E27FC236}">
-                <a16:creationId xmlns:a16="http://schemas.microsoft.com/office/drawing/2014/main" id="{D5C54873-A3F7-2B2E-0FAF-A7AA62E8BC34}"/>
-              </a:ext>
-            </a:extLst>
-          </p:cNvPr>
-          <p:cNvSpPr txBox="1"/>
-          <p:nvPr/>
-        </p:nvSpPr>
-        <p:spPr>
-          <a:xfrm>
-            <a:off x="4086808" y="10640"/>
-            <a:ext cx="3844212" cy="3046988"/>
-          </a:xfrm>
-          <a:prstGeom prst="rect">
-            <a:avLst/>
-          </a:prstGeom>
-          <a:noFill/>
-        </p:spPr>
-        <p:txBody>
-          <a:bodyPr wrap="square" rtlCol="0">
-            <a:spAutoFit/>
-          </a:bodyPr>
-          <a:lstStyle/>
-          <a:p>
-            <a:r>
-              <a:rPr lang="en-US" altLang="zh-TW" sz="1600" dirty="0"/>
-              <a:t>Top2 result :</a:t>
-            </a:r>
-          </a:p>
-          <a:p>
-            <a:r>
-              <a:rPr lang="en-US" altLang="zh-TW" sz="1600" dirty="0" err="1"/>
-              <a:t>val</a:t>
-            </a:r>
-            <a:r>
-              <a:rPr lang="en-US" altLang="zh-TW" sz="1600" dirty="0"/>
-              <a:t> :  -0.9052794662513277</a:t>
-            </a:r>
-          </a:p>
-          <a:p>
-            <a:r>
-              <a:rPr lang="en-US" altLang="zh-TW" sz="1600" dirty="0" err="1"/>
-              <a:t>bagging_fraction</a:t>
-            </a:r>
-            <a:r>
-              <a:rPr lang="en-US" altLang="zh-TW" sz="1600" dirty="0"/>
-              <a:t> 0.77</a:t>
-            </a:r>
-          </a:p>
-          <a:p>
-            <a:r>
-              <a:rPr lang="en-US" altLang="zh-TW" sz="1600" dirty="0" err="1"/>
-              <a:t>bagging_freq</a:t>
-            </a:r>
-            <a:r>
-              <a:rPr lang="en-US" altLang="zh-TW" sz="1600" dirty="0"/>
-              <a:t> 4</a:t>
-            </a:r>
-          </a:p>
-          <a:p>
-            <a:r>
-              <a:rPr lang="en-US" altLang="zh-TW" sz="1600" dirty="0" err="1"/>
-              <a:t>feature_fraction</a:t>
-            </a:r>
-            <a:r>
-              <a:rPr lang="en-US" altLang="zh-TW" sz="1600" dirty="0"/>
-              <a:t> 0.7</a:t>
-            </a:r>
-          </a:p>
-          <a:p>
-            <a:r>
-              <a:rPr lang="en-US" altLang="zh-TW" sz="1600" dirty="0" err="1"/>
-              <a:t>max_bin</a:t>
-            </a:r>
-            <a:r>
-              <a:rPr lang="en-US" altLang="zh-TW" sz="1600" dirty="0"/>
-              <a:t> 250</a:t>
-            </a:r>
-          </a:p>
-          <a:p>
-            <a:r>
-              <a:rPr lang="en-US" altLang="zh-TW" sz="1600" dirty="0" err="1"/>
-              <a:t>max_depth</a:t>
-            </a:r>
-            <a:r>
-              <a:rPr lang="en-US" altLang="zh-TW" sz="1600" dirty="0"/>
-              <a:t> -1</a:t>
-            </a:r>
-          </a:p>
-          <a:p>
-            <a:r>
-              <a:rPr lang="en-US" altLang="zh-TW" sz="1600" dirty="0" err="1"/>
-              <a:t>min_data_in_leaf</a:t>
-            </a:r>
-            <a:r>
-              <a:rPr lang="en-US" altLang="zh-TW" sz="1600" dirty="0"/>
-              <a:t> 3</a:t>
-            </a:r>
-          </a:p>
-          <a:p>
-            <a:r>
-              <a:rPr lang="en-US" altLang="zh-TW" sz="1600" dirty="0" err="1"/>
-              <a:t>min_sum_hessian_in_leaf</a:t>
-            </a:r>
-            <a:r>
-              <a:rPr lang="en-US" altLang="zh-TW" sz="1600" dirty="0"/>
-              <a:t> 4</a:t>
-            </a:r>
-          </a:p>
-          <a:p>
-            <a:r>
-              <a:rPr lang="en-US" altLang="zh-TW" sz="1600" dirty="0" err="1"/>
-              <a:t>num_leaves</a:t>
-            </a:r>
-            <a:r>
-              <a:rPr lang="en-US" altLang="zh-TW" sz="1600" dirty="0"/>
-              <a:t> 425</a:t>
-            </a:r>
-          </a:p>
-          <a:p>
-            <a:r>
-              <a:rPr lang="en-US" altLang="zh-TW" sz="1600" dirty="0" err="1"/>
-              <a:t>reg_alpha</a:t>
-            </a:r>
-            <a:r>
-              <a:rPr lang="en-US" altLang="zh-TW" sz="1600" dirty="0"/>
-              <a:t> 0.03</a:t>
-            </a:r>
-          </a:p>
-          <a:p>
-            <a:r>
-              <a:rPr lang="en-US" altLang="zh-TW" sz="1600" dirty="0" err="1"/>
-              <a:t>reg_lambda</a:t>
-            </a:r>
-            <a:r>
-              <a:rPr lang="en-US" altLang="zh-TW" sz="1600" dirty="0"/>
-              <a:t> 0.0</a:t>
-            </a:r>
-          </a:p>
-        </p:txBody>
-      </p:sp>
-      <p:sp>
-        <p:nvSpPr>
-          <p:cNvPr id="10" name="文字方塊 9">
-            <a:extLst>
-              <a:ext uri="{FF2B5EF4-FFF2-40B4-BE49-F238E27FC236}">
-                <a16:creationId xmlns:a16="http://schemas.microsoft.com/office/drawing/2014/main" id="{6732EC14-6EC7-6D87-6DA5-D419CB96DDF6}"/>
-              </a:ext>
-            </a:extLst>
-          </p:cNvPr>
-          <p:cNvSpPr txBox="1"/>
-          <p:nvPr/>
-        </p:nvSpPr>
-        <p:spPr>
-          <a:xfrm>
-            <a:off x="7613780" y="9322"/>
-            <a:ext cx="3200400" cy="3046988"/>
-          </a:xfrm>
-          <a:prstGeom prst="rect">
-            <a:avLst/>
-          </a:prstGeom>
-          <a:noFill/>
-        </p:spPr>
-        <p:txBody>
-          <a:bodyPr wrap="square" rtlCol="0">
-            <a:spAutoFit/>
-          </a:bodyPr>
-          <a:lstStyle/>
-          <a:p>
-            <a:r>
-              <a:rPr lang="en-US" altLang="zh-TW" sz="1600" dirty="0"/>
-              <a:t>Top3 result :</a:t>
-            </a:r>
-          </a:p>
-          <a:p>
-            <a:r>
-              <a:rPr lang="en-US" altLang="zh-TW" sz="1600" dirty="0" err="1"/>
-              <a:t>val</a:t>
-            </a:r>
-            <a:r>
-              <a:rPr lang="en-US" altLang="zh-TW" sz="1600" dirty="0"/>
-              <a:t> :  -0.9052794662513277</a:t>
-            </a:r>
-          </a:p>
-          <a:p>
-            <a:r>
-              <a:rPr lang="en-US" altLang="zh-TW" sz="1600" dirty="0" err="1"/>
-              <a:t>bagging_fraction</a:t>
-            </a:r>
-            <a:r>
-              <a:rPr lang="en-US" altLang="zh-TW" sz="1600" dirty="0"/>
-              <a:t> 0.77</a:t>
-            </a:r>
-          </a:p>
-          <a:p>
-            <a:r>
-              <a:rPr lang="en-US" altLang="zh-TW" sz="1600" dirty="0" err="1"/>
-              <a:t>bagging_freq</a:t>
-            </a:r>
-            <a:r>
-              <a:rPr lang="en-US" altLang="zh-TW" sz="1600" dirty="0"/>
-              <a:t> 4</a:t>
-            </a:r>
-          </a:p>
-          <a:p>
-            <a:r>
-              <a:rPr lang="en-US" altLang="zh-TW" sz="1600" dirty="0" err="1"/>
-              <a:t>feature_fraction</a:t>
-            </a:r>
-            <a:r>
-              <a:rPr lang="en-US" altLang="zh-TW" sz="1600" dirty="0"/>
-              <a:t> 0.7</a:t>
-            </a:r>
-          </a:p>
-          <a:p>
-            <a:r>
-              <a:rPr lang="en-US" altLang="zh-TW" sz="1600" dirty="0" err="1"/>
-              <a:t>max_bin</a:t>
-            </a:r>
-            <a:r>
-              <a:rPr lang="en-US" altLang="zh-TW" sz="1600" dirty="0"/>
-              <a:t> 250</a:t>
-            </a:r>
-          </a:p>
-          <a:p>
-            <a:r>
-              <a:rPr lang="en-US" altLang="zh-TW" sz="1600" dirty="0" err="1"/>
-              <a:t>max_depth</a:t>
-            </a:r>
-            <a:r>
-              <a:rPr lang="en-US" altLang="zh-TW" sz="1600" dirty="0"/>
-              <a:t> -1</a:t>
-            </a:r>
-          </a:p>
-          <a:p>
-            <a:r>
-              <a:rPr lang="en-US" altLang="zh-TW" sz="1600" dirty="0" err="1"/>
-              <a:t>min_data_in_leaf</a:t>
-            </a:r>
-            <a:r>
-              <a:rPr lang="en-US" altLang="zh-TW" sz="1600" dirty="0"/>
-              <a:t> 3</a:t>
-            </a:r>
-          </a:p>
-          <a:p>
-            <a:r>
-              <a:rPr lang="en-US" altLang="zh-TW" sz="1600" dirty="0" err="1"/>
-              <a:t>min_sum_hessian_in_leaf</a:t>
-            </a:r>
-            <a:r>
-              <a:rPr lang="en-US" altLang="zh-TW" sz="1600" dirty="0"/>
-              <a:t> 4</a:t>
-            </a:r>
-          </a:p>
-          <a:p>
-            <a:r>
-              <a:rPr lang="en-US" altLang="zh-TW" sz="1600" dirty="0" err="1"/>
-              <a:t>num_leaves</a:t>
-            </a:r>
-            <a:r>
-              <a:rPr lang="en-US" altLang="zh-TW" sz="1600" dirty="0"/>
-              <a:t> 425</a:t>
-            </a:r>
-          </a:p>
-          <a:p>
-            <a:r>
-              <a:rPr lang="en-US" altLang="zh-TW" sz="1600" dirty="0" err="1"/>
-              <a:t>reg_alpha</a:t>
-            </a:r>
-            <a:r>
-              <a:rPr lang="en-US" altLang="zh-TW" sz="1600" dirty="0"/>
-              <a:t> 0.03</a:t>
-            </a:r>
-          </a:p>
-          <a:p>
-            <a:r>
-              <a:rPr lang="en-US" altLang="zh-TW" sz="1600" dirty="0" err="1"/>
-              <a:t>reg_lambda</a:t>
-            </a:r>
-            <a:r>
-              <a:rPr lang="en-US" altLang="zh-TW" sz="1600" dirty="0"/>
-              <a:t> 0.0</a:t>
-            </a:r>
-            <a:endParaRPr lang="zh-TW" altLang="en-US" sz="1600" dirty="0"/>
-          </a:p>
-        </p:txBody>
-      </p:sp>
-      <p:sp>
-        <p:nvSpPr>
-          <p:cNvPr id="11" name="文字方塊 10">
-            <a:extLst>
-              <a:ext uri="{FF2B5EF4-FFF2-40B4-BE49-F238E27FC236}">
-                <a16:creationId xmlns:a16="http://schemas.microsoft.com/office/drawing/2014/main" id="{3F7AE714-2C38-F265-E5F2-803FD678A28C}"/>
-              </a:ext>
-            </a:extLst>
-          </p:cNvPr>
-          <p:cNvSpPr txBox="1"/>
-          <p:nvPr/>
-        </p:nvSpPr>
-        <p:spPr>
-          <a:xfrm>
-            <a:off x="2351315" y="3382353"/>
-            <a:ext cx="3470986" cy="3046988"/>
-          </a:xfrm>
-          <a:prstGeom prst="rect">
-            <a:avLst/>
-          </a:prstGeom>
-          <a:noFill/>
-        </p:spPr>
-        <p:txBody>
-          <a:bodyPr wrap="square" rtlCol="0">
-            <a:spAutoFit/>
-          </a:bodyPr>
-          <a:lstStyle/>
-          <a:p>
-            <a:r>
-              <a:rPr lang="en-US" altLang="zh-TW" sz="1600" dirty="0"/>
-              <a:t>Top4 result :</a:t>
-            </a:r>
-          </a:p>
-          <a:p>
-            <a:r>
-              <a:rPr lang="en-US" altLang="zh-TW" sz="1600" dirty="0" err="1"/>
-              <a:t>val</a:t>
-            </a:r>
-            <a:r>
-              <a:rPr lang="en-US" altLang="zh-TW" sz="1600" dirty="0"/>
-              <a:t> :  -0.9052794662513277</a:t>
-            </a:r>
-          </a:p>
-          <a:p>
-            <a:r>
-              <a:rPr lang="en-US" altLang="zh-TW" sz="1600" dirty="0" err="1"/>
-              <a:t>bagging_fraction</a:t>
-            </a:r>
-            <a:r>
-              <a:rPr lang="en-US" altLang="zh-TW" sz="1600" dirty="0"/>
-              <a:t> 0.77</a:t>
-            </a:r>
-          </a:p>
-          <a:p>
-            <a:r>
-              <a:rPr lang="en-US" altLang="zh-TW" sz="1600" dirty="0" err="1"/>
-              <a:t>bagging_freq</a:t>
-            </a:r>
-            <a:r>
-              <a:rPr lang="en-US" altLang="zh-TW" sz="1600" dirty="0"/>
-              <a:t> 4</a:t>
-            </a:r>
-          </a:p>
-          <a:p>
-            <a:r>
-              <a:rPr lang="en-US" altLang="zh-TW" sz="1600" dirty="0" err="1"/>
-              <a:t>feature_fraction</a:t>
-            </a:r>
-            <a:r>
-              <a:rPr lang="en-US" altLang="zh-TW" sz="1600" dirty="0"/>
-              <a:t> 0.7</a:t>
-            </a:r>
-          </a:p>
-          <a:p>
-            <a:r>
-              <a:rPr lang="en-US" altLang="zh-TW" sz="1600" dirty="0" err="1"/>
-              <a:t>max_bin</a:t>
-            </a:r>
-            <a:r>
-              <a:rPr lang="en-US" altLang="zh-TW" sz="1600" dirty="0"/>
-              <a:t> 250</a:t>
-            </a:r>
-          </a:p>
-          <a:p>
-            <a:r>
-              <a:rPr lang="en-US" altLang="zh-TW" sz="1600" dirty="0" err="1"/>
-              <a:t>max_depth</a:t>
-            </a:r>
-            <a:r>
-              <a:rPr lang="en-US" altLang="zh-TW" sz="1600" dirty="0"/>
-              <a:t> -1</a:t>
-            </a:r>
-          </a:p>
-          <a:p>
-            <a:r>
-              <a:rPr lang="en-US" altLang="zh-TW" sz="1600" dirty="0" err="1"/>
-              <a:t>min_data_in_leaf</a:t>
-            </a:r>
-            <a:r>
-              <a:rPr lang="en-US" altLang="zh-TW" sz="1600" dirty="0"/>
-              <a:t> 3</a:t>
-            </a:r>
-          </a:p>
-          <a:p>
-            <a:r>
-              <a:rPr lang="en-US" altLang="zh-TW" sz="1600" dirty="0" err="1"/>
-              <a:t>min_sum_hessian_in_leaf</a:t>
-            </a:r>
-            <a:r>
-              <a:rPr lang="en-US" altLang="zh-TW" sz="1600" dirty="0"/>
-              <a:t> 4</a:t>
-            </a:r>
-          </a:p>
-          <a:p>
-            <a:r>
-              <a:rPr lang="en-US" altLang="zh-TW" sz="1600" dirty="0" err="1"/>
-              <a:t>num_leaves</a:t>
-            </a:r>
-            <a:r>
-              <a:rPr lang="en-US" altLang="zh-TW" sz="1600" dirty="0"/>
-              <a:t> 425</a:t>
-            </a:r>
-          </a:p>
-          <a:p>
-            <a:r>
-              <a:rPr lang="en-US" altLang="zh-TW" sz="1600" dirty="0" err="1"/>
-              <a:t>reg_alpha</a:t>
-            </a:r>
-            <a:r>
-              <a:rPr lang="en-US" altLang="zh-TW" sz="1600" dirty="0"/>
-              <a:t> 0.03</a:t>
-            </a:r>
-          </a:p>
-          <a:p>
-            <a:r>
-              <a:rPr lang="en-US" altLang="zh-TW" sz="1600" dirty="0" err="1"/>
-              <a:t>reg_lambda</a:t>
-            </a:r>
-            <a:r>
-              <a:rPr lang="en-US" altLang="zh-TW" sz="1600" dirty="0"/>
-              <a:t> 0.0</a:t>
-            </a:r>
-            <a:endParaRPr lang="zh-TW" altLang="en-US" sz="1600" dirty="0"/>
-          </a:p>
-        </p:txBody>
-      </p:sp>
-      <p:sp>
-        <p:nvSpPr>
-          <p:cNvPr id="2" name="投影片編號版面配置區 1">
-            <a:extLst>
-              <a:ext uri="{FF2B5EF4-FFF2-40B4-BE49-F238E27FC236}">
-                <a16:creationId xmlns:a16="http://schemas.microsoft.com/office/drawing/2014/main" id="{9015EBCA-3F95-EF4D-0F24-8EA413F0BE81}"/>
-              </a:ext>
-            </a:extLst>
-          </p:cNvPr>
-          <p:cNvSpPr>
-            <a:spLocks noGrp="1"/>
-          </p:cNvSpPr>
-          <p:nvPr>
-            <p:ph type="sldNum" sz="quarter" idx="12"/>
-          </p:nvPr>
-        </p:nvSpPr>
-        <p:spPr/>
-        <p:txBody>
-          <a:bodyPr/>
-          <a:lstStyle/>
-          <a:p>
-            <a:fld id="{6446E7E4-A6F4-4AE8-BBF4-706CA6438305}" type="slidenum">
-              <a:rPr lang="zh-TW" altLang="en-US" smtClean="0"/>
-              <a:t>19</a:t>
-            </a:fld>
-            <a:endParaRPr lang="zh-TW" altLang="en-US"/>
-          </a:p>
-        </p:txBody>
-      </p:sp>
-    </p:spTree>
-    <p:extLst>
-      <p:ext uri="{BB962C8B-B14F-4D97-AF65-F5344CB8AC3E}">
-        <p14:creationId xmlns:p14="http://schemas.microsoft.com/office/powerpoint/2010/main" val="1018478892"/>
       </p:ext>
     </p:extLst>
   </p:cSld>
@@ -9129,6 +9956,761 @@
     <p:extLst>
       <p:ext uri="{BB962C8B-B14F-4D97-AF65-F5344CB8AC3E}">
         <p14:creationId xmlns:p14="http://schemas.microsoft.com/office/powerpoint/2010/main" val="314037449"/>
+      </p:ext>
+    </p:extLst>
+  </p:cSld>
+  <p:clrMapOvr>
+    <a:masterClrMapping/>
+  </p:clrMapOvr>
+</p:sld>
+</file>
+
+<file path=ppt/slides/slide20.xml><?xml version="1.0" encoding="utf-8"?>
+<p:sld xmlns:a="http://schemas.openxmlformats.org/drawingml/2006/main" xmlns:r="http://schemas.openxmlformats.org/officeDocument/2006/relationships" xmlns:p="http://schemas.openxmlformats.org/presentationml/2006/main" show="0">
+  <p:cSld>
+    <p:spTree>
+      <p:nvGrpSpPr>
+        <p:cNvPr id="1" name=""/>
+        <p:cNvGrpSpPr/>
+        <p:nvPr/>
+      </p:nvGrpSpPr>
+      <p:grpSpPr>
+        <a:xfrm>
+          <a:off x="0" y="0"/>
+          <a:ext cx="0" cy="0"/>
+          <a:chOff x="0" y="0"/>
+          <a:chExt cx="0" cy="0"/>
+        </a:xfrm>
+      </p:grpSpPr>
+      <p:sp>
+        <p:nvSpPr>
+          <p:cNvPr id="2" name="標題 1">
+            <a:extLst>
+              <a:ext uri="{FF2B5EF4-FFF2-40B4-BE49-F238E27FC236}">
+                <a16:creationId xmlns:a16="http://schemas.microsoft.com/office/drawing/2014/main" id="{92B72563-1F08-4BA5-34AB-870B07C743F0}"/>
+              </a:ext>
+            </a:extLst>
+          </p:cNvPr>
+          <p:cNvSpPr>
+            <a:spLocks noGrp="1"/>
+          </p:cNvSpPr>
+          <p:nvPr>
+            <p:ph type="title"/>
+          </p:nvPr>
+        </p:nvSpPr>
+        <p:spPr/>
+        <p:txBody>
+          <a:bodyPr/>
+          <a:lstStyle/>
+          <a:p>
+            <a:r>
+              <a:rPr lang="en-US" altLang="zh-TW" dirty="0"/>
+              <a:t>Model </a:t>
+            </a:r>
+            <a:endParaRPr lang="zh-TW" altLang="en-US" dirty="0"/>
+          </a:p>
+        </p:txBody>
+      </p:sp>
+      <p:sp>
+        <p:nvSpPr>
+          <p:cNvPr id="3" name="文字版面配置區 2">
+            <a:extLst>
+              <a:ext uri="{FF2B5EF4-FFF2-40B4-BE49-F238E27FC236}">
+                <a16:creationId xmlns:a16="http://schemas.microsoft.com/office/drawing/2014/main" id="{F61614AB-ACF0-00F7-835F-CDA205902BDC}"/>
+              </a:ext>
+            </a:extLst>
+          </p:cNvPr>
+          <p:cNvSpPr>
+            <a:spLocks noGrp="1"/>
+          </p:cNvSpPr>
+          <p:nvPr>
+            <p:ph type="body" idx="1"/>
+          </p:nvPr>
+        </p:nvSpPr>
+        <p:spPr/>
+        <p:txBody>
+          <a:bodyPr/>
+          <a:lstStyle/>
+          <a:p>
+            <a:endParaRPr lang="zh-TW" altLang="en-US" dirty="0"/>
+          </a:p>
+        </p:txBody>
+      </p:sp>
+      <p:sp>
+        <p:nvSpPr>
+          <p:cNvPr id="4" name="投影片編號版面配置區 3">
+            <a:extLst>
+              <a:ext uri="{FF2B5EF4-FFF2-40B4-BE49-F238E27FC236}">
+                <a16:creationId xmlns:a16="http://schemas.microsoft.com/office/drawing/2014/main" id="{E4023A3B-8BA6-2F7B-4BCE-E8F65858D623}"/>
+              </a:ext>
+            </a:extLst>
+          </p:cNvPr>
+          <p:cNvSpPr>
+            <a:spLocks noGrp="1"/>
+          </p:cNvSpPr>
+          <p:nvPr>
+            <p:ph type="sldNum" sz="quarter" idx="12"/>
+          </p:nvPr>
+        </p:nvSpPr>
+        <p:spPr/>
+        <p:txBody>
+          <a:bodyPr/>
+          <a:lstStyle/>
+          <a:p>
+            <a:fld id="{6446E7E4-A6F4-4AE8-BBF4-706CA6438305}" type="slidenum">
+              <a:rPr lang="zh-TW" altLang="en-US" smtClean="0"/>
+              <a:t>20</a:t>
+            </a:fld>
+            <a:endParaRPr lang="zh-TW" altLang="en-US"/>
+          </a:p>
+        </p:txBody>
+      </p:sp>
+    </p:spTree>
+    <p:extLst>
+      <p:ext uri="{BB962C8B-B14F-4D97-AF65-F5344CB8AC3E}">
+        <p14:creationId xmlns:p14="http://schemas.microsoft.com/office/powerpoint/2010/main" val="2718014013"/>
+      </p:ext>
+    </p:extLst>
+  </p:cSld>
+  <p:clrMapOvr>
+    <a:masterClrMapping/>
+  </p:clrMapOvr>
+</p:sld>
+</file>
+
+<file path=ppt/slides/slide21.xml><?xml version="1.0" encoding="utf-8"?>
+<p:sld xmlns:a="http://schemas.openxmlformats.org/drawingml/2006/main" xmlns:r="http://schemas.openxmlformats.org/officeDocument/2006/relationships" xmlns:p="http://schemas.openxmlformats.org/presentationml/2006/main" show="0">
+  <p:cSld>
+    <p:spTree>
+      <p:nvGrpSpPr>
+        <p:cNvPr id="1" name=""/>
+        <p:cNvGrpSpPr/>
+        <p:nvPr/>
+      </p:nvGrpSpPr>
+      <p:grpSpPr>
+        <a:xfrm>
+          <a:off x="0" y="0"/>
+          <a:ext cx="0" cy="0"/>
+          <a:chOff x="0" y="0"/>
+          <a:chExt cx="0" cy="0"/>
+        </a:xfrm>
+      </p:grpSpPr>
+      <p:sp>
+        <p:nvSpPr>
+          <p:cNvPr id="4" name="文字方塊 3">
+            <a:extLst>
+              <a:ext uri="{FF2B5EF4-FFF2-40B4-BE49-F238E27FC236}">
+                <a16:creationId xmlns:a16="http://schemas.microsoft.com/office/drawing/2014/main" id="{38766FE9-DB9E-46DC-C17A-C4A573D130DB}"/>
+              </a:ext>
+            </a:extLst>
+          </p:cNvPr>
+          <p:cNvSpPr txBox="1"/>
+          <p:nvPr/>
+        </p:nvSpPr>
+        <p:spPr>
+          <a:xfrm>
+            <a:off x="438540" y="-9"/>
+            <a:ext cx="3013788" cy="3046988"/>
+          </a:xfrm>
+          <a:prstGeom prst="rect">
+            <a:avLst/>
+          </a:prstGeom>
+          <a:noFill/>
+        </p:spPr>
+        <p:txBody>
+          <a:bodyPr wrap="square" rtlCol="0">
+            <a:spAutoFit/>
+          </a:bodyPr>
+          <a:lstStyle/>
+          <a:p>
+            <a:r>
+              <a:rPr lang="en-US" altLang="zh-TW" sz="1600" dirty="0"/>
+              <a:t>Top1 result :</a:t>
+            </a:r>
+          </a:p>
+          <a:p>
+            <a:r>
+              <a:rPr lang="en-US" altLang="zh-TW" sz="1600" dirty="0" err="1"/>
+              <a:t>val</a:t>
+            </a:r>
+            <a:r>
+              <a:rPr lang="en-US" altLang="zh-TW" sz="1600" dirty="0"/>
+              <a:t> :  -0.9059997991126368</a:t>
+            </a:r>
+          </a:p>
+          <a:p>
+            <a:r>
+              <a:rPr lang="en-US" altLang="zh-TW" sz="1600" dirty="0" err="1"/>
+              <a:t>bagging_fraction</a:t>
+            </a:r>
+            <a:r>
+              <a:rPr lang="en-US" altLang="zh-TW" sz="1600" dirty="0"/>
+              <a:t> 0.72</a:t>
+            </a:r>
+          </a:p>
+          <a:p>
+            <a:r>
+              <a:rPr lang="en-US" altLang="zh-TW" sz="1600" dirty="0" err="1"/>
+              <a:t>bagging_freq</a:t>
+            </a:r>
+            <a:r>
+              <a:rPr lang="en-US" altLang="zh-TW" sz="1600" dirty="0"/>
+              <a:t> 4</a:t>
+            </a:r>
+          </a:p>
+          <a:p>
+            <a:r>
+              <a:rPr lang="en-US" altLang="zh-TW" sz="1600" dirty="0" err="1"/>
+              <a:t>feature_fraction</a:t>
+            </a:r>
+            <a:r>
+              <a:rPr lang="en-US" altLang="zh-TW" sz="1600" dirty="0"/>
+              <a:t> 0.7</a:t>
+            </a:r>
+          </a:p>
+          <a:p>
+            <a:r>
+              <a:rPr lang="en-US" altLang="zh-TW" sz="1600" dirty="0" err="1"/>
+              <a:t>max_bin</a:t>
+            </a:r>
+            <a:r>
+              <a:rPr lang="en-US" altLang="zh-TW" sz="1600" dirty="0"/>
+              <a:t> 500</a:t>
+            </a:r>
+          </a:p>
+          <a:p>
+            <a:r>
+              <a:rPr lang="en-US" altLang="zh-TW" sz="1600" dirty="0" err="1"/>
+              <a:t>max_depth</a:t>
+            </a:r>
+            <a:r>
+              <a:rPr lang="en-US" altLang="zh-TW" sz="1600" dirty="0"/>
+              <a:t> -1</a:t>
+            </a:r>
+          </a:p>
+          <a:p>
+            <a:r>
+              <a:rPr lang="en-US" altLang="zh-TW" sz="1600" dirty="0" err="1"/>
+              <a:t>min_data_in_leaf</a:t>
+            </a:r>
+            <a:r>
+              <a:rPr lang="en-US" altLang="zh-TW" sz="1600" dirty="0"/>
+              <a:t> 3</a:t>
+            </a:r>
+          </a:p>
+          <a:p>
+            <a:r>
+              <a:rPr lang="en-US" altLang="zh-TW" sz="1600" dirty="0" err="1"/>
+              <a:t>min_sum_hessian_in_leaf</a:t>
+            </a:r>
+            <a:r>
+              <a:rPr lang="en-US" altLang="zh-TW" sz="1600" dirty="0"/>
+              <a:t> 1</a:t>
+            </a:r>
+          </a:p>
+          <a:p>
+            <a:r>
+              <a:rPr lang="en-US" altLang="zh-TW" sz="1600" dirty="0" err="1"/>
+              <a:t>num_leaves</a:t>
+            </a:r>
+            <a:r>
+              <a:rPr lang="en-US" altLang="zh-TW" sz="1600" dirty="0"/>
+              <a:t> 350</a:t>
+            </a:r>
+          </a:p>
+          <a:p>
+            <a:r>
+              <a:rPr lang="en-US" altLang="zh-TW" sz="1600" dirty="0" err="1"/>
+              <a:t>reg_alpha</a:t>
+            </a:r>
+            <a:r>
+              <a:rPr lang="en-US" altLang="zh-TW" sz="1600" dirty="0"/>
+              <a:t> 0.03</a:t>
+            </a:r>
+          </a:p>
+          <a:p>
+            <a:r>
+              <a:rPr lang="en-US" altLang="zh-TW" sz="1600" dirty="0" err="1"/>
+              <a:t>reg_lambda</a:t>
+            </a:r>
+            <a:r>
+              <a:rPr lang="en-US" altLang="zh-TW" sz="1600" dirty="0"/>
+              <a:t> 0.15</a:t>
+            </a:r>
+            <a:endParaRPr lang="zh-TW" altLang="en-US" sz="1600" dirty="0"/>
+          </a:p>
+        </p:txBody>
+      </p:sp>
+      <p:sp>
+        <p:nvSpPr>
+          <p:cNvPr id="6" name="文字方塊 5">
+            <a:extLst>
+              <a:ext uri="{FF2B5EF4-FFF2-40B4-BE49-F238E27FC236}">
+                <a16:creationId xmlns:a16="http://schemas.microsoft.com/office/drawing/2014/main" id="{D5C54873-A3F7-2B2E-0FAF-A7AA62E8BC34}"/>
+              </a:ext>
+            </a:extLst>
+          </p:cNvPr>
+          <p:cNvSpPr txBox="1"/>
+          <p:nvPr/>
+        </p:nvSpPr>
+        <p:spPr>
+          <a:xfrm>
+            <a:off x="4086808" y="10640"/>
+            <a:ext cx="3844212" cy="3046988"/>
+          </a:xfrm>
+          <a:prstGeom prst="rect">
+            <a:avLst/>
+          </a:prstGeom>
+          <a:noFill/>
+        </p:spPr>
+        <p:txBody>
+          <a:bodyPr wrap="square" rtlCol="0">
+            <a:spAutoFit/>
+          </a:bodyPr>
+          <a:lstStyle/>
+          <a:p>
+            <a:r>
+              <a:rPr lang="en-US" altLang="zh-TW" sz="1600" dirty="0"/>
+              <a:t>Top2 result :</a:t>
+            </a:r>
+          </a:p>
+          <a:p>
+            <a:r>
+              <a:rPr lang="en-US" altLang="zh-TW" sz="1600" dirty="0" err="1"/>
+              <a:t>val</a:t>
+            </a:r>
+            <a:r>
+              <a:rPr lang="en-US" altLang="zh-TW" sz="1600" dirty="0"/>
+              <a:t> :  -0.9059997991126368</a:t>
+            </a:r>
+          </a:p>
+          <a:p>
+            <a:r>
+              <a:rPr lang="en-US" altLang="zh-TW" sz="1600" dirty="0" err="1"/>
+              <a:t>bagging_fraction</a:t>
+            </a:r>
+            <a:r>
+              <a:rPr lang="en-US" altLang="zh-TW" sz="1600" dirty="0"/>
+              <a:t> 0.72</a:t>
+            </a:r>
+          </a:p>
+          <a:p>
+            <a:r>
+              <a:rPr lang="en-US" altLang="zh-TW" sz="1600" dirty="0" err="1"/>
+              <a:t>bagging_freq</a:t>
+            </a:r>
+            <a:r>
+              <a:rPr lang="en-US" altLang="zh-TW" sz="1600" dirty="0"/>
+              <a:t> 4</a:t>
+            </a:r>
+          </a:p>
+          <a:p>
+            <a:r>
+              <a:rPr lang="en-US" altLang="zh-TW" sz="1600" dirty="0" err="1"/>
+              <a:t>feature_fraction</a:t>
+            </a:r>
+            <a:r>
+              <a:rPr lang="en-US" altLang="zh-TW" sz="1600" dirty="0"/>
+              <a:t> 0.7</a:t>
+            </a:r>
+          </a:p>
+          <a:p>
+            <a:r>
+              <a:rPr lang="en-US" altLang="zh-TW" sz="1600" dirty="0" err="1"/>
+              <a:t>max_bin</a:t>
+            </a:r>
+            <a:r>
+              <a:rPr lang="en-US" altLang="zh-TW" sz="1600" dirty="0"/>
+              <a:t> 500</a:t>
+            </a:r>
+          </a:p>
+          <a:p>
+            <a:r>
+              <a:rPr lang="en-US" altLang="zh-TW" sz="1600" dirty="0" err="1"/>
+              <a:t>max_depth</a:t>
+            </a:r>
+            <a:r>
+              <a:rPr lang="en-US" altLang="zh-TW" sz="1600" dirty="0"/>
+              <a:t> -1</a:t>
+            </a:r>
+          </a:p>
+          <a:p>
+            <a:r>
+              <a:rPr lang="en-US" altLang="zh-TW" sz="1600" dirty="0" err="1"/>
+              <a:t>min_data_in_leaf</a:t>
+            </a:r>
+            <a:r>
+              <a:rPr lang="en-US" altLang="zh-TW" sz="1600" dirty="0"/>
+              <a:t> 3</a:t>
+            </a:r>
+          </a:p>
+          <a:p>
+            <a:r>
+              <a:rPr lang="en-US" altLang="zh-TW" sz="1600" dirty="0" err="1"/>
+              <a:t>min_sum_hessian_in_leaf</a:t>
+            </a:r>
+            <a:r>
+              <a:rPr lang="en-US" altLang="zh-TW" sz="1600" dirty="0"/>
+              <a:t> 1</a:t>
+            </a:r>
+          </a:p>
+          <a:p>
+            <a:r>
+              <a:rPr lang="en-US" altLang="zh-TW" sz="1600" dirty="0" err="1"/>
+              <a:t>num_leaves</a:t>
+            </a:r>
+            <a:r>
+              <a:rPr lang="en-US" altLang="zh-TW" sz="1600" dirty="0"/>
+              <a:t> 350</a:t>
+            </a:r>
+          </a:p>
+          <a:p>
+            <a:r>
+              <a:rPr lang="en-US" altLang="zh-TW" sz="1600" dirty="0" err="1"/>
+              <a:t>reg_alpha</a:t>
+            </a:r>
+            <a:r>
+              <a:rPr lang="en-US" altLang="zh-TW" sz="1600" dirty="0"/>
+              <a:t> 0.03</a:t>
+            </a:r>
+          </a:p>
+          <a:p>
+            <a:r>
+              <a:rPr lang="en-US" altLang="zh-TW" sz="1600" dirty="0" err="1"/>
+              <a:t>reg_lambda</a:t>
+            </a:r>
+            <a:r>
+              <a:rPr lang="en-US" altLang="zh-TW" sz="1600" dirty="0"/>
+              <a:t> 0.15</a:t>
+            </a:r>
+          </a:p>
+        </p:txBody>
+      </p:sp>
+      <p:sp>
+        <p:nvSpPr>
+          <p:cNvPr id="10" name="文字方塊 9">
+            <a:extLst>
+              <a:ext uri="{FF2B5EF4-FFF2-40B4-BE49-F238E27FC236}">
+                <a16:creationId xmlns:a16="http://schemas.microsoft.com/office/drawing/2014/main" id="{6732EC14-6EC7-6D87-6DA5-D419CB96DDF6}"/>
+              </a:ext>
+            </a:extLst>
+          </p:cNvPr>
+          <p:cNvSpPr txBox="1"/>
+          <p:nvPr/>
+        </p:nvSpPr>
+        <p:spPr>
+          <a:xfrm>
+            <a:off x="7613780" y="9322"/>
+            <a:ext cx="3200400" cy="3046988"/>
+          </a:xfrm>
+          <a:prstGeom prst="rect">
+            <a:avLst/>
+          </a:prstGeom>
+          <a:noFill/>
+        </p:spPr>
+        <p:txBody>
+          <a:bodyPr wrap="square" rtlCol="0">
+            <a:spAutoFit/>
+          </a:bodyPr>
+          <a:lstStyle/>
+          <a:p>
+            <a:r>
+              <a:rPr lang="en-US" altLang="zh-TW" sz="1600" dirty="0"/>
+              <a:t>Top3 result :</a:t>
+            </a:r>
+          </a:p>
+          <a:p>
+            <a:r>
+              <a:rPr lang="en-US" altLang="zh-TW" sz="1600" dirty="0" err="1"/>
+              <a:t>val</a:t>
+            </a:r>
+            <a:r>
+              <a:rPr lang="en-US" altLang="zh-TW" sz="1600" dirty="0"/>
+              <a:t> :  -0.9059841791726376</a:t>
+            </a:r>
+          </a:p>
+          <a:p>
+            <a:r>
+              <a:rPr lang="en-US" altLang="zh-TW" sz="1600" dirty="0" err="1"/>
+              <a:t>bagging_fraction</a:t>
+            </a:r>
+            <a:r>
+              <a:rPr lang="en-US" altLang="zh-TW" sz="1600" dirty="0"/>
+              <a:t> 0.72</a:t>
+            </a:r>
+          </a:p>
+          <a:p>
+            <a:r>
+              <a:rPr lang="en-US" altLang="zh-TW" sz="1600" dirty="0" err="1"/>
+              <a:t>bagging_freq</a:t>
+            </a:r>
+            <a:r>
+              <a:rPr lang="en-US" altLang="zh-TW" sz="1600" dirty="0"/>
+              <a:t> 4</a:t>
+            </a:r>
+          </a:p>
+          <a:p>
+            <a:r>
+              <a:rPr lang="en-US" altLang="zh-TW" sz="1600" dirty="0" err="1"/>
+              <a:t>feature_fraction</a:t>
+            </a:r>
+            <a:r>
+              <a:rPr lang="en-US" altLang="zh-TW" sz="1600" dirty="0"/>
+              <a:t> 0.7</a:t>
+            </a:r>
+          </a:p>
+          <a:p>
+            <a:r>
+              <a:rPr lang="en-US" altLang="zh-TW" sz="1600" dirty="0" err="1"/>
+              <a:t>max_bin</a:t>
+            </a:r>
+            <a:r>
+              <a:rPr lang="en-US" altLang="zh-TW" sz="1600" dirty="0"/>
+              <a:t> 500</a:t>
+            </a:r>
+          </a:p>
+          <a:p>
+            <a:r>
+              <a:rPr lang="en-US" altLang="zh-TW" sz="1600" dirty="0" err="1"/>
+              <a:t>max_depth</a:t>
+            </a:r>
+            <a:r>
+              <a:rPr lang="en-US" altLang="zh-TW" sz="1600" dirty="0"/>
+              <a:t> -1</a:t>
+            </a:r>
+          </a:p>
+          <a:p>
+            <a:r>
+              <a:rPr lang="en-US" altLang="zh-TW" sz="1600" dirty="0" err="1"/>
+              <a:t>min_data_in_leaf</a:t>
+            </a:r>
+            <a:r>
+              <a:rPr lang="en-US" altLang="zh-TW" sz="1600" dirty="0"/>
+              <a:t> 3</a:t>
+            </a:r>
+          </a:p>
+          <a:p>
+            <a:r>
+              <a:rPr lang="en-US" altLang="zh-TW" sz="1600" dirty="0" err="1"/>
+              <a:t>min_sum_hessian_in_leaf</a:t>
+            </a:r>
+            <a:r>
+              <a:rPr lang="en-US" altLang="zh-TW" sz="1600" dirty="0"/>
+              <a:t> 1</a:t>
+            </a:r>
+          </a:p>
+          <a:p>
+            <a:r>
+              <a:rPr lang="en-US" altLang="zh-TW" sz="1600" dirty="0" err="1"/>
+              <a:t>num_leaves</a:t>
+            </a:r>
+            <a:r>
+              <a:rPr lang="en-US" altLang="zh-TW" sz="1600" dirty="0"/>
+              <a:t> 375</a:t>
+            </a:r>
+          </a:p>
+          <a:p>
+            <a:r>
+              <a:rPr lang="en-US" altLang="zh-TW" sz="1600" dirty="0" err="1"/>
+              <a:t>reg_alpha</a:t>
+            </a:r>
+            <a:r>
+              <a:rPr lang="en-US" altLang="zh-TW" sz="1600" dirty="0"/>
+              <a:t> 0.03</a:t>
+            </a:r>
+          </a:p>
+          <a:p>
+            <a:r>
+              <a:rPr lang="en-US" altLang="zh-TW" sz="1600" dirty="0" err="1"/>
+              <a:t>reg_lambda</a:t>
+            </a:r>
+            <a:r>
+              <a:rPr lang="en-US" altLang="zh-TW" sz="1600" dirty="0"/>
+              <a:t> 0.15</a:t>
+            </a:r>
+            <a:endParaRPr lang="zh-TW" altLang="en-US" sz="1600" dirty="0"/>
+          </a:p>
+        </p:txBody>
+      </p:sp>
+      <p:sp>
+        <p:nvSpPr>
+          <p:cNvPr id="11" name="文字方塊 10">
+            <a:extLst>
+              <a:ext uri="{FF2B5EF4-FFF2-40B4-BE49-F238E27FC236}">
+                <a16:creationId xmlns:a16="http://schemas.microsoft.com/office/drawing/2014/main" id="{3F7AE714-2C38-F265-E5F2-803FD678A28C}"/>
+              </a:ext>
+            </a:extLst>
+          </p:cNvPr>
+          <p:cNvSpPr txBox="1"/>
+          <p:nvPr/>
+        </p:nvSpPr>
+        <p:spPr>
+          <a:xfrm>
+            <a:off x="2351315" y="3382353"/>
+            <a:ext cx="3470986" cy="3046988"/>
+          </a:xfrm>
+          <a:prstGeom prst="rect">
+            <a:avLst/>
+          </a:prstGeom>
+          <a:noFill/>
+        </p:spPr>
+        <p:txBody>
+          <a:bodyPr wrap="square" rtlCol="0">
+            <a:spAutoFit/>
+          </a:bodyPr>
+          <a:lstStyle/>
+          <a:p>
+            <a:r>
+              <a:rPr lang="en-US" altLang="zh-TW" sz="1600" dirty="0"/>
+              <a:t>Top4 result :</a:t>
+            </a:r>
+          </a:p>
+          <a:p>
+            <a:r>
+              <a:rPr lang="en-US" altLang="zh-TW" sz="1600" dirty="0" err="1"/>
+              <a:t>val</a:t>
+            </a:r>
+            <a:r>
+              <a:rPr lang="en-US" altLang="zh-TW" sz="1600" dirty="0"/>
+              <a:t> :  -0.9059841791726376</a:t>
+            </a:r>
+          </a:p>
+          <a:p>
+            <a:r>
+              <a:rPr lang="en-US" altLang="zh-TW" sz="1600" dirty="0" err="1"/>
+              <a:t>bagging_fraction</a:t>
+            </a:r>
+            <a:r>
+              <a:rPr lang="en-US" altLang="zh-TW" sz="1600" dirty="0"/>
+              <a:t> 0.72</a:t>
+            </a:r>
+          </a:p>
+          <a:p>
+            <a:r>
+              <a:rPr lang="en-US" altLang="zh-TW" sz="1600" dirty="0" err="1"/>
+              <a:t>bagging_freq</a:t>
+            </a:r>
+            <a:r>
+              <a:rPr lang="en-US" altLang="zh-TW" sz="1600" dirty="0"/>
+              <a:t> 4</a:t>
+            </a:r>
+          </a:p>
+          <a:p>
+            <a:r>
+              <a:rPr lang="en-US" altLang="zh-TW" sz="1600" dirty="0" err="1"/>
+              <a:t>feature_fraction</a:t>
+            </a:r>
+            <a:r>
+              <a:rPr lang="en-US" altLang="zh-TW" sz="1600" dirty="0"/>
+              <a:t> 0.7</a:t>
+            </a:r>
+          </a:p>
+          <a:p>
+            <a:r>
+              <a:rPr lang="en-US" altLang="zh-TW" sz="1600" dirty="0" err="1"/>
+              <a:t>max_bin</a:t>
+            </a:r>
+            <a:r>
+              <a:rPr lang="en-US" altLang="zh-TW" sz="1600" dirty="0"/>
+              <a:t> 500</a:t>
+            </a:r>
+          </a:p>
+          <a:p>
+            <a:r>
+              <a:rPr lang="en-US" altLang="zh-TW" sz="1600" dirty="0" err="1"/>
+              <a:t>max_depth</a:t>
+            </a:r>
+            <a:r>
+              <a:rPr lang="en-US" altLang="zh-TW" sz="1600" dirty="0"/>
+              <a:t> -1</a:t>
+            </a:r>
+          </a:p>
+          <a:p>
+            <a:r>
+              <a:rPr lang="en-US" altLang="zh-TW" sz="1600" dirty="0" err="1"/>
+              <a:t>min_data_in_leaf</a:t>
+            </a:r>
+            <a:r>
+              <a:rPr lang="en-US" altLang="zh-TW" sz="1600" dirty="0"/>
+              <a:t> 3</a:t>
+            </a:r>
+          </a:p>
+          <a:p>
+            <a:r>
+              <a:rPr lang="en-US" altLang="zh-TW" sz="1600" dirty="0" err="1"/>
+              <a:t>min_sum_hessian_in_leaf</a:t>
+            </a:r>
+            <a:r>
+              <a:rPr lang="en-US" altLang="zh-TW" sz="1600" dirty="0"/>
+              <a:t> 1</a:t>
+            </a:r>
+          </a:p>
+          <a:p>
+            <a:r>
+              <a:rPr lang="en-US" altLang="zh-TW" sz="1600" dirty="0" err="1"/>
+              <a:t>num_leaves</a:t>
+            </a:r>
+            <a:r>
+              <a:rPr lang="en-US" altLang="zh-TW" sz="1600" dirty="0"/>
+              <a:t> 375</a:t>
+            </a:r>
+          </a:p>
+          <a:p>
+            <a:r>
+              <a:rPr lang="en-US" altLang="zh-TW" sz="1600" dirty="0" err="1"/>
+              <a:t>reg_alpha</a:t>
+            </a:r>
+            <a:r>
+              <a:rPr lang="en-US" altLang="zh-TW" sz="1600" dirty="0"/>
+              <a:t> 0.03</a:t>
+            </a:r>
+          </a:p>
+          <a:p>
+            <a:r>
+              <a:rPr lang="en-US" altLang="zh-TW" sz="1600" dirty="0" err="1"/>
+              <a:t>reg_lambda</a:t>
+            </a:r>
+            <a:r>
+              <a:rPr lang="en-US" altLang="zh-TW" sz="1600" dirty="0"/>
+              <a:t> 0.15</a:t>
+            </a:r>
+            <a:endParaRPr lang="zh-TW" altLang="en-US" sz="1600" dirty="0"/>
+          </a:p>
+        </p:txBody>
+      </p:sp>
+      <p:sp>
+        <p:nvSpPr>
+          <p:cNvPr id="2" name="投影片編號版面配置區 1">
+            <a:extLst>
+              <a:ext uri="{FF2B5EF4-FFF2-40B4-BE49-F238E27FC236}">
+                <a16:creationId xmlns:a16="http://schemas.microsoft.com/office/drawing/2014/main" id="{9015EBCA-3F95-EF4D-0F24-8EA413F0BE81}"/>
+              </a:ext>
+            </a:extLst>
+          </p:cNvPr>
+          <p:cNvSpPr>
+            <a:spLocks noGrp="1"/>
+          </p:cNvSpPr>
+          <p:nvPr>
+            <p:ph type="sldNum" sz="quarter" idx="12"/>
+          </p:nvPr>
+        </p:nvSpPr>
+        <p:spPr/>
+        <p:txBody>
+          <a:bodyPr/>
+          <a:lstStyle/>
+          <a:p>
+            <a:fld id="{6446E7E4-A6F4-4AE8-BBF4-706CA6438305}" type="slidenum">
+              <a:rPr lang="zh-TW" altLang="en-US" smtClean="0"/>
+              <a:t>21</a:t>
+            </a:fld>
+            <a:endParaRPr lang="zh-TW" altLang="en-US"/>
+          </a:p>
+        </p:txBody>
+      </p:sp>
+    </p:spTree>
+    <p:extLst>
+      <p:ext uri="{BB962C8B-B14F-4D97-AF65-F5344CB8AC3E}">
+        <p14:creationId xmlns:p14="http://schemas.microsoft.com/office/powerpoint/2010/main" val="1018478892"/>
       </p:ext>
     </p:extLst>
   </p:cSld>

--- a/LOG.pptx
+++ b/LOG.pptx
@@ -217,7 +217,7 @@
           <a:p>
             <a:fld id="{2493B408-C93F-4F25-9F9A-880C8D23BE16}" type="datetimeFigureOut">
               <a:rPr lang="zh-TW" altLang="en-US" smtClean="0"/>
-              <a:t>2023/11/2</a:t>
+              <a:t>2023/11/3</a:t>
             </a:fld>
             <a:endParaRPr lang="zh-TW" altLang="en-US"/>
           </a:p>
@@ -631,7 +631,7 @@
           <a:p>
             <a:fld id="{E9B51F20-B5E2-4E05-886D-52D052F33EF2}" type="datetime1">
               <a:rPr lang="zh-TW" altLang="en-US" smtClean="0"/>
-              <a:t>2023/11/2</a:t>
+              <a:t>2023/11/3</a:t>
             </a:fld>
             <a:endParaRPr lang="zh-TW" altLang="en-US"/>
           </a:p>
@@ -829,7 +829,7 @@
           <a:p>
             <a:fld id="{D7848EB0-12E4-4253-9FF3-1A4AAC4500C7}" type="datetime1">
               <a:rPr lang="zh-TW" altLang="en-US" smtClean="0"/>
-              <a:t>2023/11/2</a:t>
+              <a:t>2023/11/3</a:t>
             </a:fld>
             <a:endParaRPr lang="zh-TW" altLang="en-US"/>
           </a:p>
@@ -1037,7 +1037,7 @@
           <a:p>
             <a:fld id="{8CE24563-3D8E-4C59-84AB-704F030905F3}" type="datetime1">
               <a:rPr lang="zh-TW" altLang="en-US" smtClean="0"/>
-              <a:t>2023/11/2</a:t>
+              <a:t>2023/11/3</a:t>
             </a:fld>
             <a:endParaRPr lang="zh-TW" altLang="en-US"/>
           </a:p>
@@ -1235,7 +1235,7 @@
           <a:p>
             <a:fld id="{996E08BA-22E7-4E87-A60A-CD8064C4A871}" type="datetime1">
               <a:rPr lang="zh-TW" altLang="en-US" smtClean="0"/>
-              <a:t>2023/11/2</a:t>
+              <a:t>2023/11/3</a:t>
             </a:fld>
             <a:endParaRPr lang="zh-TW" altLang="en-US"/>
           </a:p>
@@ -1510,7 +1510,7 @@
           <a:p>
             <a:fld id="{ED8B521E-A8CA-49FC-BB3B-AAC4D73681EB}" type="datetime1">
               <a:rPr lang="zh-TW" altLang="en-US" smtClean="0"/>
-              <a:t>2023/11/2</a:t>
+              <a:t>2023/11/3</a:t>
             </a:fld>
             <a:endParaRPr lang="zh-TW" altLang="en-US"/>
           </a:p>
@@ -1775,7 +1775,7 @@
           <a:p>
             <a:fld id="{730FF105-D270-4774-85E7-035884D17F4E}" type="datetime1">
               <a:rPr lang="zh-TW" altLang="en-US" smtClean="0"/>
-              <a:t>2023/11/2</a:t>
+              <a:t>2023/11/3</a:t>
             </a:fld>
             <a:endParaRPr lang="zh-TW" altLang="en-US"/>
           </a:p>
@@ -2187,7 +2187,7 @@
           <a:p>
             <a:fld id="{1015D69A-41B2-4AB2-A978-B36EB13343F2}" type="datetime1">
               <a:rPr lang="zh-TW" altLang="en-US" smtClean="0"/>
-              <a:t>2023/11/2</a:t>
+              <a:t>2023/11/3</a:t>
             </a:fld>
             <a:endParaRPr lang="zh-TW" altLang="en-US"/>
           </a:p>
@@ -2328,7 +2328,7 @@
           <a:p>
             <a:fld id="{C3231F7A-C29B-4AC4-8DB1-1A566CA80BA3}" type="datetime1">
               <a:rPr lang="zh-TW" altLang="en-US" smtClean="0"/>
-              <a:t>2023/11/2</a:t>
+              <a:t>2023/11/3</a:t>
             </a:fld>
             <a:endParaRPr lang="zh-TW" altLang="en-US"/>
           </a:p>
@@ -2441,7 +2441,7 @@
           <a:p>
             <a:fld id="{133D7621-BE52-406B-9B9B-B8BF7A853693}" type="datetime1">
               <a:rPr lang="zh-TW" altLang="en-US" smtClean="0"/>
-              <a:t>2023/11/2</a:t>
+              <a:t>2023/11/3</a:t>
             </a:fld>
             <a:endParaRPr lang="zh-TW" altLang="en-US"/>
           </a:p>
@@ -2752,7 +2752,7 @@
           <a:p>
             <a:fld id="{C655AA43-AF85-4D2F-9DA8-B166E1470A81}" type="datetime1">
               <a:rPr lang="zh-TW" altLang="en-US" smtClean="0"/>
-              <a:t>2023/11/2</a:t>
+              <a:t>2023/11/3</a:t>
             </a:fld>
             <a:endParaRPr lang="zh-TW" altLang="en-US"/>
           </a:p>
@@ -3040,7 +3040,7 @@
           <a:p>
             <a:fld id="{37916F6D-77B3-4B7A-B48C-AC8588D9F2A7}" type="datetime1">
               <a:rPr lang="zh-TW" altLang="en-US" smtClean="0"/>
-              <a:t>2023/11/2</a:t>
+              <a:t>2023/11/3</a:t>
             </a:fld>
             <a:endParaRPr lang="zh-TW" altLang="en-US"/>
           </a:p>
@@ -3281,7 +3281,7 @@
           <a:p>
             <a:fld id="{9B675E92-3D50-4CE5-9804-C39F8954D897}" type="datetime1">
               <a:rPr lang="zh-TW" altLang="en-US" smtClean="0"/>
-              <a:t>2023/11/2</a:t>
+              <a:t>2023/11/3</a:t>
             </a:fld>
             <a:endParaRPr lang="zh-TW" altLang="en-US"/>
           </a:p>
@@ -9100,7 +9100,7 @@
           <a:p>
             <a:r>
               <a:rPr lang="en-US" altLang="zh-TW" dirty="0"/>
-              <a:t>Submit MAPE: </a:t>
+              <a:t>Submit MAPE: 8.312276</a:t>
             </a:r>
             <a:endParaRPr lang="zh-TW" altLang="en-US" dirty="0"/>
           </a:p>
@@ -10135,7 +10135,7 @@
             </a:r>
             <a:r>
               <a:rPr lang="en-US" altLang="zh-TW" sz="1600" dirty="0"/>
-              <a:t> :  -0.9059997991126368</a:t>
+              <a:t> :  -0.9187111836415967</a:t>
             </a:r>
           </a:p>
           <a:p>
@@ -10145,7 +10145,7 @@
             </a:r>
             <a:r>
               <a:rPr lang="en-US" altLang="zh-TW" sz="1600" dirty="0"/>
-              <a:t> 0.72</a:t>
+              <a:t> 0.74</a:t>
             </a:r>
           </a:p>
           <a:p>
@@ -10155,7 +10155,7 @@
             </a:r>
             <a:r>
               <a:rPr lang="en-US" altLang="zh-TW" sz="1600" dirty="0"/>
-              <a:t> 4</a:t>
+              <a:t> 12</a:t>
             </a:r>
           </a:p>
           <a:p>
@@ -10165,7 +10165,7 @@
             </a:r>
             <a:r>
               <a:rPr lang="en-US" altLang="zh-TW" sz="1600" dirty="0"/>
-              <a:t> 0.7</a:t>
+              <a:t> 0.5</a:t>
             </a:r>
           </a:p>
           <a:p>
@@ -10195,7 +10195,7 @@
             </a:r>
             <a:r>
               <a:rPr lang="en-US" altLang="zh-TW" sz="1600" dirty="0"/>
-              <a:t> 3</a:t>
+              <a:t> 0</a:t>
             </a:r>
           </a:p>
           <a:p>
@@ -10205,7 +10205,7 @@
             </a:r>
             <a:r>
               <a:rPr lang="en-US" altLang="zh-TW" sz="1600" dirty="0"/>
-              <a:t> 1</a:t>
+              <a:t> 2</a:t>
             </a:r>
           </a:p>
           <a:p>
@@ -10215,7 +10215,7 @@
             </a:r>
             <a:r>
               <a:rPr lang="en-US" altLang="zh-TW" sz="1600" dirty="0"/>
-              <a:t> 350</a:t>
+              <a:t> 300</a:t>
             </a:r>
           </a:p>
           <a:p>
@@ -10225,7 +10225,7 @@
             </a:r>
             <a:r>
               <a:rPr lang="en-US" altLang="zh-TW" sz="1600" dirty="0"/>
-              <a:t> 0.03</a:t>
+              <a:t> 0.0</a:t>
             </a:r>
           </a:p>
           <a:p>
@@ -10235,7 +10235,7 @@
             </a:r>
             <a:r>
               <a:rPr lang="en-US" altLang="zh-TW" sz="1600" dirty="0"/>
-              <a:t> 0.15</a:t>
+              <a:t> 0.03</a:t>
             </a:r>
             <a:endParaRPr lang="zh-TW" altLang="en-US" sz="1600" dirty="0"/>
           </a:p>
@@ -10281,7 +10281,7 @@
             </a:r>
             <a:r>
               <a:rPr lang="en-US" altLang="zh-TW" sz="1600" dirty="0"/>
-              <a:t> :  -0.9059997991126368</a:t>
+              <a:t> :  -0.9185934328077671</a:t>
             </a:r>
           </a:p>
           <a:p>
@@ -10291,7 +10291,7 @@
             </a:r>
             <a:r>
               <a:rPr lang="en-US" altLang="zh-TW" sz="1600" dirty="0"/>
-              <a:t> 0.72</a:t>
+              <a:t> 0.84</a:t>
             </a:r>
           </a:p>
           <a:p>
@@ -10301,7 +10301,7 @@
             </a:r>
             <a:r>
               <a:rPr lang="en-US" altLang="zh-TW" sz="1600" dirty="0"/>
-              <a:t> 4</a:t>
+              <a:t> 12</a:t>
             </a:r>
           </a:p>
           <a:p>
@@ -10311,7 +10311,7 @@
             </a:r>
             <a:r>
               <a:rPr lang="en-US" altLang="zh-TW" sz="1600" dirty="0"/>
-              <a:t> 0.7</a:t>
+              <a:t> 0.5</a:t>
             </a:r>
           </a:p>
           <a:p>
@@ -10321,7 +10321,7 @@
             </a:r>
             <a:r>
               <a:rPr lang="en-US" altLang="zh-TW" sz="1600" dirty="0"/>
-              <a:t> 500</a:t>
+              <a:t> 300</a:t>
             </a:r>
           </a:p>
           <a:p>
@@ -10351,7 +10351,7 @@
             </a:r>
             <a:r>
               <a:rPr lang="en-US" altLang="zh-TW" sz="1600" dirty="0"/>
-              <a:t> 1</a:t>
+              <a:t> 7</a:t>
             </a:r>
           </a:p>
           <a:p>
@@ -10361,7 +10361,7 @@
             </a:r>
             <a:r>
               <a:rPr lang="en-US" altLang="zh-TW" sz="1600" dirty="0"/>
-              <a:t> 350</a:t>
+              <a:t> 300</a:t>
             </a:r>
           </a:p>
           <a:p>
@@ -10371,7 +10371,7 @@
             </a:r>
             <a:r>
               <a:rPr lang="en-US" altLang="zh-TW" sz="1600" dirty="0"/>
-              <a:t> 0.03</a:t>
+              <a:t> 0.0</a:t>
             </a:r>
           </a:p>
           <a:p>
@@ -10381,7 +10381,7 @@
             </a:r>
             <a:r>
               <a:rPr lang="en-US" altLang="zh-TW" sz="1600" dirty="0"/>
-              <a:t> 0.15</a:t>
+              <a:t> 0.03</a:t>
             </a:r>
           </a:p>
         </p:txBody>
@@ -10426,7 +10426,7 @@
             </a:r>
             <a:r>
               <a:rPr lang="en-US" altLang="zh-TW" sz="1600" dirty="0"/>
-              <a:t> :  -0.9059841791726376</a:t>
+              <a:t> :  -0.9185934328077671</a:t>
             </a:r>
           </a:p>
           <a:p>
@@ -10436,7 +10436,7 @@
             </a:r>
             <a:r>
               <a:rPr lang="en-US" altLang="zh-TW" sz="1600" dirty="0"/>
-              <a:t> 0.72</a:t>
+              <a:t> 0.84</a:t>
             </a:r>
           </a:p>
           <a:p>
@@ -10446,7 +10446,7 @@
             </a:r>
             <a:r>
               <a:rPr lang="en-US" altLang="zh-TW" sz="1600" dirty="0"/>
-              <a:t> 4</a:t>
+              <a:t> 12</a:t>
             </a:r>
           </a:p>
           <a:p>
@@ -10456,7 +10456,7 @@
             </a:r>
             <a:r>
               <a:rPr lang="en-US" altLang="zh-TW" sz="1600" dirty="0"/>
-              <a:t> 0.7</a:t>
+              <a:t> 0.5</a:t>
             </a:r>
           </a:p>
           <a:p>
@@ -10466,7 +10466,7 @@
             </a:r>
             <a:r>
               <a:rPr lang="en-US" altLang="zh-TW" sz="1600" dirty="0"/>
-              <a:t> 500</a:t>
+              <a:t> 300</a:t>
             </a:r>
           </a:p>
           <a:p>
@@ -10496,7 +10496,7 @@
             </a:r>
             <a:r>
               <a:rPr lang="en-US" altLang="zh-TW" sz="1600" dirty="0"/>
-              <a:t> 1</a:t>
+              <a:t> 7</a:t>
             </a:r>
           </a:p>
           <a:p>
@@ -10506,7 +10506,7 @@
             </a:r>
             <a:r>
               <a:rPr lang="en-US" altLang="zh-TW" sz="1600" dirty="0"/>
-              <a:t> 375</a:t>
+              <a:t> 300</a:t>
             </a:r>
           </a:p>
           <a:p>
@@ -10516,7 +10516,7 @@
             </a:r>
             <a:r>
               <a:rPr lang="en-US" altLang="zh-TW" sz="1600" dirty="0"/>
-              <a:t> 0.03</a:t>
+              <a:t> 0.0</a:t>
             </a:r>
           </a:p>
           <a:p>
@@ -10526,7 +10526,7 @@
             </a:r>
             <a:r>
               <a:rPr lang="en-US" altLang="zh-TW" sz="1600" dirty="0"/>
-              <a:t> 0.15</a:t>
+              <a:t> 0.03</a:t>
             </a:r>
             <a:endParaRPr lang="zh-TW" altLang="en-US" sz="1600" dirty="0"/>
           </a:p>
@@ -10572,7 +10572,7 @@
             </a:r>
             <a:r>
               <a:rPr lang="en-US" altLang="zh-TW" sz="1600" dirty="0"/>
-              <a:t> :  -0.9059841791726376</a:t>
+              <a:t> :  -0.9185934328077671</a:t>
             </a:r>
           </a:p>
           <a:p>
@@ -10582,7 +10582,7 @@
             </a:r>
             <a:r>
               <a:rPr lang="en-US" altLang="zh-TW" sz="1600" dirty="0"/>
-              <a:t> 0.72</a:t>
+              <a:t> 0.84</a:t>
             </a:r>
           </a:p>
           <a:p>
@@ -10592,7 +10592,7 @@
             </a:r>
             <a:r>
               <a:rPr lang="en-US" altLang="zh-TW" sz="1600" dirty="0"/>
-              <a:t> 4</a:t>
+              <a:t> 12</a:t>
             </a:r>
           </a:p>
           <a:p>
@@ -10602,7 +10602,7 @@
             </a:r>
             <a:r>
               <a:rPr lang="en-US" altLang="zh-TW" sz="1600" dirty="0"/>
-              <a:t> 0.7</a:t>
+              <a:t> 0.5</a:t>
             </a:r>
           </a:p>
           <a:p>
@@ -10612,7 +10612,7 @@
             </a:r>
             <a:r>
               <a:rPr lang="en-US" altLang="zh-TW" sz="1600" dirty="0"/>
-              <a:t> 500</a:t>
+              <a:t> 300</a:t>
             </a:r>
           </a:p>
           <a:p>
@@ -10642,7 +10642,7 @@
             </a:r>
             <a:r>
               <a:rPr lang="en-US" altLang="zh-TW" sz="1600" dirty="0"/>
-              <a:t> 1</a:t>
+              <a:t> 7</a:t>
             </a:r>
           </a:p>
           <a:p>
@@ -10652,7 +10652,7 @@
             </a:r>
             <a:r>
               <a:rPr lang="en-US" altLang="zh-TW" sz="1600" dirty="0"/>
-              <a:t> 375</a:t>
+              <a:t> 300</a:t>
             </a:r>
           </a:p>
           <a:p>
@@ -10662,7 +10662,7 @@
             </a:r>
             <a:r>
               <a:rPr lang="en-US" altLang="zh-TW" sz="1600" dirty="0"/>
-              <a:t> 0.03</a:t>
+              <a:t> 0.0</a:t>
             </a:r>
           </a:p>
           <a:p>
@@ -10672,7 +10672,7 @@
             </a:r>
             <a:r>
               <a:rPr lang="en-US" altLang="zh-TW" sz="1600" dirty="0"/>
-              <a:t> 0.15</a:t>
+              <a:t> 0.03</a:t>
             </a:r>
             <a:endParaRPr lang="zh-TW" altLang="en-US" sz="1600" dirty="0"/>
           </a:p>

--- a/LOG.pptx
+++ b/LOG.pptx
@@ -217,7 +217,7 @@
           <a:p>
             <a:fld id="{2493B408-C93F-4F25-9F9A-880C8D23BE16}" type="datetimeFigureOut">
               <a:rPr lang="zh-TW" altLang="en-US" smtClean="0"/>
-              <a:t>2023/11/3</a:t>
+              <a:t>2023/11/6</a:t>
             </a:fld>
             <a:endParaRPr lang="zh-TW" altLang="en-US"/>
           </a:p>
@@ -631,7 +631,7 @@
           <a:p>
             <a:fld id="{E9B51F20-B5E2-4E05-886D-52D052F33EF2}" type="datetime1">
               <a:rPr lang="zh-TW" altLang="en-US" smtClean="0"/>
-              <a:t>2023/11/3</a:t>
+              <a:t>2023/11/6</a:t>
             </a:fld>
             <a:endParaRPr lang="zh-TW" altLang="en-US"/>
           </a:p>
@@ -829,7 +829,7 @@
           <a:p>
             <a:fld id="{D7848EB0-12E4-4253-9FF3-1A4AAC4500C7}" type="datetime1">
               <a:rPr lang="zh-TW" altLang="en-US" smtClean="0"/>
-              <a:t>2023/11/3</a:t>
+              <a:t>2023/11/6</a:t>
             </a:fld>
             <a:endParaRPr lang="zh-TW" altLang="en-US"/>
           </a:p>
@@ -1037,7 +1037,7 @@
           <a:p>
             <a:fld id="{8CE24563-3D8E-4C59-84AB-704F030905F3}" type="datetime1">
               <a:rPr lang="zh-TW" altLang="en-US" smtClean="0"/>
-              <a:t>2023/11/3</a:t>
+              <a:t>2023/11/6</a:t>
             </a:fld>
             <a:endParaRPr lang="zh-TW" altLang="en-US"/>
           </a:p>
@@ -1235,7 +1235,7 @@
           <a:p>
             <a:fld id="{996E08BA-22E7-4E87-A60A-CD8064C4A871}" type="datetime1">
               <a:rPr lang="zh-TW" altLang="en-US" smtClean="0"/>
-              <a:t>2023/11/3</a:t>
+              <a:t>2023/11/6</a:t>
             </a:fld>
             <a:endParaRPr lang="zh-TW" altLang="en-US"/>
           </a:p>
@@ -1510,7 +1510,7 @@
           <a:p>
             <a:fld id="{ED8B521E-A8CA-49FC-BB3B-AAC4D73681EB}" type="datetime1">
               <a:rPr lang="zh-TW" altLang="en-US" smtClean="0"/>
-              <a:t>2023/11/3</a:t>
+              <a:t>2023/11/6</a:t>
             </a:fld>
             <a:endParaRPr lang="zh-TW" altLang="en-US"/>
           </a:p>
@@ -1775,7 +1775,7 @@
           <a:p>
             <a:fld id="{730FF105-D270-4774-85E7-035884D17F4E}" type="datetime1">
               <a:rPr lang="zh-TW" altLang="en-US" smtClean="0"/>
-              <a:t>2023/11/3</a:t>
+              <a:t>2023/11/6</a:t>
             </a:fld>
             <a:endParaRPr lang="zh-TW" altLang="en-US"/>
           </a:p>
@@ -2187,7 +2187,7 @@
           <a:p>
             <a:fld id="{1015D69A-41B2-4AB2-A978-B36EB13343F2}" type="datetime1">
               <a:rPr lang="zh-TW" altLang="en-US" smtClean="0"/>
-              <a:t>2023/11/3</a:t>
+              <a:t>2023/11/6</a:t>
             </a:fld>
             <a:endParaRPr lang="zh-TW" altLang="en-US"/>
           </a:p>
@@ -2328,7 +2328,7 @@
           <a:p>
             <a:fld id="{C3231F7A-C29B-4AC4-8DB1-1A566CA80BA3}" type="datetime1">
               <a:rPr lang="zh-TW" altLang="en-US" smtClean="0"/>
-              <a:t>2023/11/3</a:t>
+              <a:t>2023/11/6</a:t>
             </a:fld>
             <a:endParaRPr lang="zh-TW" altLang="en-US"/>
           </a:p>
@@ -2441,7 +2441,7 @@
           <a:p>
             <a:fld id="{133D7621-BE52-406B-9B9B-B8BF7A853693}" type="datetime1">
               <a:rPr lang="zh-TW" altLang="en-US" smtClean="0"/>
-              <a:t>2023/11/3</a:t>
+              <a:t>2023/11/6</a:t>
             </a:fld>
             <a:endParaRPr lang="zh-TW" altLang="en-US"/>
           </a:p>
@@ -2752,7 +2752,7 @@
           <a:p>
             <a:fld id="{C655AA43-AF85-4D2F-9DA8-B166E1470A81}" type="datetime1">
               <a:rPr lang="zh-TW" altLang="en-US" smtClean="0"/>
-              <a:t>2023/11/3</a:t>
+              <a:t>2023/11/6</a:t>
             </a:fld>
             <a:endParaRPr lang="zh-TW" altLang="en-US"/>
           </a:p>
@@ -3040,7 +3040,7 @@
           <a:p>
             <a:fld id="{37916F6D-77B3-4B7A-B48C-AC8588D9F2A7}" type="datetime1">
               <a:rPr lang="zh-TW" altLang="en-US" smtClean="0"/>
-              <a:t>2023/11/3</a:t>
+              <a:t>2023/11/6</a:t>
             </a:fld>
             <a:endParaRPr lang="zh-TW" altLang="en-US"/>
           </a:p>
@@ -3281,7 +3281,7 @@
           <a:p>
             <a:fld id="{9B675E92-3D50-4CE5-9804-C39F8954D897}" type="datetime1">
               <a:rPr lang="zh-TW" altLang="en-US" smtClean="0"/>
-              <a:t>2023/11/3</a:t>
+              <a:t>2023/11/6</a:t>
             </a:fld>
             <a:endParaRPr lang="zh-TW" altLang="en-US"/>
           </a:p>
@@ -10110,7 +10110,7 @@
         <p:spPr>
           <a:xfrm>
             <a:off x="438540" y="-9"/>
-            <a:ext cx="3013788" cy="3046988"/>
+            <a:ext cx="3013788" cy="2800767"/>
           </a:xfrm>
           <a:prstGeom prst="rect">
             <a:avLst/>
@@ -10135,37 +10135,29 @@
             </a:r>
             <a:r>
               <a:rPr lang="en-US" altLang="zh-TW" sz="1600" dirty="0"/>
-              <a:t> :  -0.9187111836415967</a:t>
+              <a:t> :  -0.8788361050644375</a:t>
             </a:r>
           </a:p>
           <a:p>
             <a:r>
               <a:rPr lang="en-US" altLang="zh-TW" sz="1600" dirty="0" err="1"/>
-              <a:t>bagging_fraction</a:t>
+              <a:t>colsample_bytree</a:t>
             </a:r>
             <a:r>
               <a:rPr lang="en-US" altLang="zh-TW" sz="1600" dirty="0"/>
-              <a:t> 0.74</a:t>
-            </a:r>
-          </a:p>
-          <a:p>
-            <a:r>
-              <a:rPr lang="en-US" altLang="zh-TW" sz="1600" dirty="0" err="1"/>
-              <a:t>bagging_freq</a:t>
-            </a:r>
+              <a:t> 0.6</a:t>
+            </a:r>
+          </a:p>
+          <a:p>
             <a:r>
               <a:rPr lang="en-US" altLang="zh-TW" sz="1600" dirty="0"/>
-              <a:t> 12</a:t>
-            </a:r>
-          </a:p>
-          <a:p>
-            <a:r>
-              <a:rPr lang="en-US" altLang="zh-TW" sz="1600" dirty="0" err="1"/>
-              <a:t>feature_fraction</a:t>
-            </a:r>
+              <a:t>eta 0.01</a:t>
+            </a:r>
+          </a:p>
+          <a:p>
             <a:r>
               <a:rPr lang="en-US" altLang="zh-TW" sz="1600" dirty="0"/>
-              <a:t> 0.5</a:t>
+              <a:t>gamma 0.5</a:t>
             </a:r>
           </a:p>
           <a:p>
@@ -10175,7 +10167,7 @@
             </a:r>
             <a:r>
               <a:rPr lang="en-US" altLang="zh-TW" sz="1600" dirty="0"/>
-              <a:t> 500</a:t>
+              <a:t> 255</a:t>
             </a:r>
           </a:p>
           <a:p>
@@ -10185,37 +10177,17 @@
             </a:r>
             <a:r>
               <a:rPr lang="en-US" altLang="zh-TW" sz="1600" dirty="0"/>
-              <a:t> -1</a:t>
+              <a:t> 7</a:t>
             </a:r>
           </a:p>
           <a:p>
             <a:r>
               <a:rPr lang="en-US" altLang="zh-TW" sz="1600" dirty="0" err="1"/>
-              <a:t>min_data_in_leaf</a:t>
+              <a:t>min_child_weight</a:t>
             </a:r>
             <a:r>
               <a:rPr lang="en-US" altLang="zh-TW" sz="1600" dirty="0"/>
-              <a:t> 0</a:t>
-            </a:r>
-          </a:p>
-          <a:p>
-            <a:r>
-              <a:rPr lang="en-US" altLang="zh-TW" sz="1600" dirty="0" err="1"/>
-              <a:t>min_sum_hessian_in_leaf</a:t>
-            </a:r>
-            <a:r>
-              <a:rPr lang="en-US" altLang="zh-TW" sz="1600" dirty="0"/>
-              <a:t> 2</a:t>
-            </a:r>
-          </a:p>
-          <a:p>
-            <a:r>
-              <a:rPr lang="en-US" altLang="zh-TW" sz="1600" dirty="0" err="1"/>
-              <a:t>num_leaves</a:t>
-            </a:r>
-            <a:r>
-              <a:rPr lang="en-US" altLang="zh-TW" sz="1600" dirty="0"/>
-              <a:t> 300</a:t>
+              <a:t> 1</a:t>
             </a:r>
           </a:p>
           <a:p>
@@ -10225,7 +10197,7 @@
             </a:r>
             <a:r>
               <a:rPr lang="en-US" altLang="zh-TW" sz="1600" dirty="0"/>
-              <a:t> 0.0</a:t>
+              <a:t> 0.03</a:t>
             </a:r>
           </a:p>
           <a:p>
@@ -10235,7 +10207,13 @@
             </a:r>
             <a:r>
               <a:rPr lang="en-US" altLang="zh-TW" sz="1600" dirty="0"/>
-              <a:t> 0.03</a:t>
+              <a:t> 0.05</a:t>
+            </a:r>
+          </a:p>
+          <a:p>
+            <a:r>
+              <a:rPr lang="en-US" altLang="zh-TW" sz="1600" dirty="0"/>
+              <a:t>subsample 1</a:t>
             </a:r>
             <a:endParaRPr lang="zh-TW" altLang="en-US" sz="1600" dirty="0"/>
           </a:p>
@@ -10256,7 +10234,7 @@
         <p:spPr>
           <a:xfrm>
             <a:off x="4086808" y="10640"/>
-            <a:ext cx="3844212" cy="3046988"/>
+            <a:ext cx="3844212" cy="2800767"/>
           </a:xfrm>
           <a:prstGeom prst="rect">
             <a:avLst/>
@@ -10281,37 +10259,29 @@
             </a:r>
             <a:r>
               <a:rPr lang="en-US" altLang="zh-TW" sz="1600" dirty="0"/>
-              <a:t> :  -0.9185934328077671</a:t>
+              <a:t> :  -0.8787311824906088</a:t>
             </a:r>
           </a:p>
           <a:p>
             <a:r>
               <a:rPr lang="en-US" altLang="zh-TW" sz="1600" dirty="0" err="1"/>
-              <a:t>bagging_fraction</a:t>
+              <a:t>colsample_bytree</a:t>
             </a:r>
             <a:r>
               <a:rPr lang="en-US" altLang="zh-TW" sz="1600" dirty="0"/>
-              <a:t> 0.84</a:t>
-            </a:r>
-          </a:p>
-          <a:p>
-            <a:r>
-              <a:rPr lang="en-US" altLang="zh-TW" sz="1600" dirty="0" err="1"/>
-              <a:t>bagging_freq</a:t>
-            </a:r>
+              <a:t> 0.6</a:t>
+            </a:r>
+          </a:p>
+          <a:p>
             <a:r>
               <a:rPr lang="en-US" altLang="zh-TW" sz="1600" dirty="0"/>
-              <a:t> 12</a:t>
-            </a:r>
-          </a:p>
-          <a:p>
-            <a:r>
-              <a:rPr lang="en-US" altLang="zh-TW" sz="1600" dirty="0" err="1"/>
-              <a:t>feature_fraction</a:t>
-            </a:r>
+              <a:t>eta 0.01</a:t>
+            </a:r>
+          </a:p>
+          <a:p>
             <a:r>
               <a:rPr lang="en-US" altLang="zh-TW" sz="1600" dirty="0"/>
-              <a:t> 0.5</a:t>
+              <a:t>gamma 0.5</a:t>
             </a:r>
           </a:p>
           <a:p>
@@ -10321,7 +10291,7 @@
             </a:r>
             <a:r>
               <a:rPr lang="en-US" altLang="zh-TW" sz="1600" dirty="0"/>
-              <a:t> 300</a:t>
+              <a:t> 550</a:t>
             </a:r>
           </a:p>
           <a:p>
@@ -10331,37 +10301,17 @@
             </a:r>
             <a:r>
               <a:rPr lang="en-US" altLang="zh-TW" sz="1600" dirty="0"/>
-              <a:t> -1</a:t>
+              <a:t> 7</a:t>
             </a:r>
           </a:p>
           <a:p>
             <a:r>
               <a:rPr lang="en-US" altLang="zh-TW" sz="1600" dirty="0" err="1"/>
-              <a:t>min_data_in_leaf</a:t>
+              <a:t>min_child_weight</a:t>
             </a:r>
             <a:r>
               <a:rPr lang="en-US" altLang="zh-TW" sz="1600" dirty="0"/>
-              <a:t> 3</a:t>
-            </a:r>
-          </a:p>
-          <a:p>
-            <a:r>
-              <a:rPr lang="en-US" altLang="zh-TW" sz="1600" dirty="0" err="1"/>
-              <a:t>min_sum_hessian_in_leaf</a:t>
-            </a:r>
-            <a:r>
-              <a:rPr lang="en-US" altLang="zh-TW" sz="1600" dirty="0"/>
-              <a:t> 7</a:t>
-            </a:r>
-          </a:p>
-          <a:p>
-            <a:r>
-              <a:rPr lang="en-US" altLang="zh-TW" sz="1600" dirty="0" err="1"/>
-              <a:t>num_leaves</a:t>
-            </a:r>
-            <a:r>
-              <a:rPr lang="en-US" altLang="zh-TW" sz="1600" dirty="0"/>
-              <a:t> 300</a:t>
+              <a:t> 1</a:t>
             </a:r>
           </a:p>
           <a:p>
@@ -10371,7 +10321,7 @@
             </a:r>
             <a:r>
               <a:rPr lang="en-US" altLang="zh-TW" sz="1600" dirty="0"/>
-              <a:t> 0.0</a:t>
+              <a:t> 0.03</a:t>
             </a:r>
           </a:p>
           <a:p>
@@ -10381,7 +10331,13 @@
             </a:r>
             <a:r>
               <a:rPr lang="en-US" altLang="zh-TW" sz="1600" dirty="0"/>
-              <a:t> 0.03</a:t>
+              <a:t> 0.05</a:t>
+            </a:r>
+          </a:p>
+          <a:p>
+            <a:r>
+              <a:rPr lang="en-US" altLang="zh-TW" sz="1600" dirty="0"/>
+              <a:t>subsample 1</a:t>
             </a:r>
           </a:p>
         </p:txBody>
@@ -10401,7 +10357,7 @@
         <p:spPr>
           <a:xfrm>
             <a:off x="7613780" y="9322"/>
-            <a:ext cx="3200400" cy="3046988"/>
+            <a:ext cx="3200400" cy="2800767"/>
           </a:xfrm>
           <a:prstGeom prst="rect">
             <a:avLst/>
@@ -10426,37 +10382,29 @@
             </a:r>
             <a:r>
               <a:rPr lang="en-US" altLang="zh-TW" sz="1600" dirty="0"/>
-              <a:t> :  -0.9185934328077671</a:t>
+              <a:t> :  -0.8787311824906088</a:t>
             </a:r>
           </a:p>
           <a:p>
             <a:r>
               <a:rPr lang="en-US" altLang="zh-TW" sz="1600" dirty="0" err="1"/>
-              <a:t>bagging_fraction</a:t>
+              <a:t>colsample_bytree</a:t>
             </a:r>
             <a:r>
               <a:rPr lang="en-US" altLang="zh-TW" sz="1600" dirty="0"/>
-              <a:t> 0.84</a:t>
-            </a:r>
-          </a:p>
-          <a:p>
-            <a:r>
-              <a:rPr lang="en-US" altLang="zh-TW" sz="1600" dirty="0" err="1"/>
-              <a:t>bagging_freq</a:t>
-            </a:r>
+              <a:t> 0.6</a:t>
+            </a:r>
+          </a:p>
+          <a:p>
             <a:r>
               <a:rPr lang="en-US" altLang="zh-TW" sz="1600" dirty="0"/>
-              <a:t> 12</a:t>
-            </a:r>
-          </a:p>
-          <a:p>
-            <a:r>
-              <a:rPr lang="en-US" altLang="zh-TW" sz="1600" dirty="0" err="1"/>
-              <a:t>feature_fraction</a:t>
-            </a:r>
+              <a:t>eta 0.01</a:t>
+            </a:r>
+          </a:p>
+          <a:p>
             <a:r>
               <a:rPr lang="en-US" altLang="zh-TW" sz="1600" dirty="0"/>
-              <a:t> 0.5</a:t>
+              <a:t>gamma 0.5</a:t>
             </a:r>
           </a:p>
           <a:p>
@@ -10466,7 +10414,7 @@
             </a:r>
             <a:r>
               <a:rPr lang="en-US" altLang="zh-TW" sz="1600" dirty="0"/>
-              <a:t> 300</a:t>
+              <a:t> 550</a:t>
             </a:r>
           </a:p>
           <a:p>
@@ -10476,37 +10424,17 @@
             </a:r>
             <a:r>
               <a:rPr lang="en-US" altLang="zh-TW" sz="1600" dirty="0"/>
-              <a:t> -1</a:t>
+              <a:t> 7</a:t>
             </a:r>
           </a:p>
           <a:p>
             <a:r>
               <a:rPr lang="en-US" altLang="zh-TW" sz="1600" dirty="0" err="1"/>
-              <a:t>min_data_in_leaf</a:t>
+              <a:t>min_child_weight</a:t>
             </a:r>
             <a:r>
               <a:rPr lang="en-US" altLang="zh-TW" sz="1600" dirty="0"/>
-              <a:t> 3</a:t>
-            </a:r>
-          </a:p>
-          <a:p>
-            <a:r>
-              <a:rPr lang="en-US" altLang="zh-TW" sz="1600" dirty="0" err="1"/>
-              <a:t>min_sum_hessian_in_leaf</a:t>
-            </a:r>
-            <a:r>
-              <a:rPr lang="en-US" altLang="zh-TW" sz="1600" dirty="0"/>
-              <a:t> 7</a:t>
-            </a:r>
-          </a:p>
-          <a:p>
-            <a:r>
-              <a:rPr lang="en-US" altLang="zh-TW" sz="1600" dirty="0" err="1"/>
-              <a:t>num_leaves</a:t>
-            </a:r>
-            <a:r>
-              <a:rPr lang="en-US" altLang="zh-TW" sz="1600" dirty="0"/>
-              <a:t> 300</a:t>
+              <a:t> 1</a:t>
             </a:r>
           </a:p>
           <a:p>
@@ -10516,7 +10444,7 @@
             </a:r>
             <a:r>
               <a:rPr lang="en-US" altLang="zh-TW" sz="1600" dirty="0"/>
-              <a:t> 0.0</a:t>
+              <a:t> 0.03</a:t>
             </a:r>
           </a:p>
           <a:p>
@@ -10526,7 +10454,13 @@
             </a:r>
             <a:r>
               <a:rPr lang="en-US" altLang="zh-TW" sz="1600" dirty="0"/>
-              <a:t> 0.03</a:t>
+              <a:t> 0.05</a:t>
+            </a:r>
+          </a:p>
+          <a:p>
+            <a:r>
+              <a:rPr lang="en-US" altLang="zh-TW" sz="1600" dirty="0"/>
+              <a:t>subsample 1</a:t>
             </a:r>
             <a:endParaRPr lang="zh-TW" altLang="en-US" sz="1600" dirty="0"/>
           </a:p>
@@ -10547,7 +10481,7 @@
         <p:spPr>
           <a:xfrm>
             <a:off x="2351315" y="3382353"/>
-            <a:ext cx="3470986" cy="3046988"/>
+            <a:ext cx="3470986" cy="2800767"/>
           </a:xfrm>
           <a:prstGeom prst="rect">
             <a:avLst/>
@@ -10572,37 +10506,29 @@
             </a:r>
             <a:r>
               <a:rPr lang="en-US" altLang="zh-TW" sz="1600" dirty="0"/>
-              <a:t> :  -0.9185934328077671</a:t>
+              <a:t> :  -0.8786444243350608</a:t>
             </a:r>
           </a:p>
           <a:p>
             <a:r>
               <a:rPr lang="en-US" altLang="zh-TW" sz="1600" dirty="0" err="1"/>
-              <a:t>bagging_fraction</a:t>
+              <a:t>colsample_bytree</a:t>
             </a:r>
             <a:r>
               <a:rPr lang="en-US" altLang="zh-TW" sz="1600" dirty="0"/>
-              <a:t> 0.84</a:t>
-            </a:r>
-          </a:p>
-          <a:p>
-            <a:r>
-              <a:rPr lang="en-US" altLang="zh-TW" sz="1600" dirty="0" err="1"/>
-              <a:t>bagging_freq</a:t>
-            </a:r>
+              <a:t> 0.6</a:t>
+            </a:r>
+          </a:p>
+          <a:p>
             <a:r>
               <a:rPr lang="en-US" altLang="zh-TW" sz="1600" dirty="0"/>
-              <a:t> 12</a:t>
-            </a:r>
-          </a:p>
-          <a:p>
-            <a:r>
-              <a:rPr lang="en-US" altLang="zh-TW" sz="1600" dirty="0" err="1"/>
-              <a:t>feature_fraction</a:t>
-            </a:r>
+              <a:t>eta 0.01</a:t>
+            </a:r>
+          </a:p>
+          <a:p>
             <a:r>
               <a:rPr lang="en-US" altLang="zh-TW" sz="1600" dirty="0"/>
-              <a:t> 0.5</a:t>
+              <a:t>gamma 0.5</a:t>
             </a:r>
           </a:p>
           <a:p>
@@ -10612,7 +10538,7 @@
             </a:r>
             <a:r>
               <a:rPr lang="en-US" altLang="zh-TW" sz="1600" dirty="0"/>
-              <a:t> 300</a:t>
+              <a:t> 250</a:t>
             </a:r>
           </a:p>
           <a:p>
@@ -10622,37 +10548,17 @@
             </a:r>
             <a:r>
               <a:rPr lang="en-US" altLang="zh-TW" sz="1600" dirty="0"/>
-              <a:t> -1</a:t>
+              <a:t> 10</a:t>
             </a:r>
           </a:p>
           <a:p>
             <a:r>
               <a:rPr lang="en-US" altLang="zh-TW" sz="1600" dirty="0" err="1"/>
-              <a:t>min_data_in_leaf</a:t>
+              <a:t>min_child_weight</a:t>
             </a:r>
             <a:r>
               <a:rPr lang="en-US" altLang="zh-TW" sz="1600" dirty="0"/>
-              <a:t> 3</a:t>
-            </a:r>
-          </a:p>
-          <a:p>
-            <a:r>
-              <a:rPr lang="en-US" altLang="zh-TW" sz="1600" dirty="0" err="1"/>
-              <a:t>min_sum_hessian_in_leaf</a:t>
-            </a:r>
-            <a:r>
-              <a:rPr lang="en-US" altLang="zh-TW" sz="1600" dirty="0"/>
-              <a:t> 7</a:t>
-            </a:r>
-          </a:p>
-          <a:p>
-            <a:r>
-              <a:rPr lang="en-US" altLang="zh-TW" sz="1600" dirty="0" err="1"/>
-              <a:t>num_leaves</a:t>
-            </a:r>
-            <a:r>
-              <a:rPr lang="en-US" altLang="zh-TW" sz="1600" dirty="0"/>
-              <a:t> 300</a:t>
+              <a:t> 1.5</a:t>
             </a:r>
           </a:p>
           <a:p>
@@ -10662,7 +10568,7 @@
             </a:r>
             <a:r>
               <a:rPr lang="en-US" altLang="zh-TW" sz="1600" dirty="0"/>
-              <a:t> 0.0</a:t>
+              <a:t> 0.07</a:t>
             </a:r>
           </a:p>
           <a:p>
@@ -10672,7 +10578,13 @@
             </a:r>
             <a:r>
               <a:rPr lang="en-US" altLang="zh-TW" sz="1600" dirty="0"/>
-              <a:t> 0.03</a:t>
+              <a:t> 0.0</a:t>
+            </a:r>
+          </a:p>
+          <a:p>
+            <a:r>
+              <a:rPr lang="en-US" altLang="zh-TW" sz="1600"/>
+              <a:t>subsample 1</a:t>
             </a:r>
             <a:endParaRPr lang="zh-TW" altLang="en-US" sz="1600" dirty="0"/>
           </a:p>
